--- a/Project_1_presentation.pptx
+++ b/Project_1_presentation.pptx
@@ -73,10 +73,10 @@
         </a:solidFill>
         <a:effectLst/>
         <a:uFillTx/>
-        <a:latin typeface="+mj-lt"/>
-        <a:ea typeface="+mj-ea"/>
-        <a:cs typeface="+mj-cs"/>
-        <a:sym typeface="Arial"/>
+        <a:latin typeface="+mn-lt"/>
+        <a:ea typeface="+mn-ea"/>
+        <a:cs typeface="+mn-cs"/>
+        <a:sym typeface="Helvetica"/>
       </a:defRPr>
     </a:lvl1pPr>
     <a:lvl2pPr marL="0" marR="0" indent="0" algn="l" defTabSz="914400" rtl="0" fontAlgn="auto" latinLnBrk="0" hangingPunct="0">
@@ -103,10 +103,10 @@
         </a:solidFill>
         <a:effectLst/>
         <a:uFillTx/>
-        <a:latin typeface="+mj-lt"/>
-        <a:ea typeface="+mj-ea"/>
-        <a:cs typeface="+mj-cs"/>
-        <a:sym typeface="Arial"/>
+        <a:latin typeface="+mn-lt"/>
+        <a:ea typeface="+mn-ea"/>
+        <a:cs typeface="+mn-cs"/>
+        <a:sym typeface="Helvetica"/>
       </a:defRPr>
     </a:lvl2pPr>
     <a:lvl3pPr marL="0" marR="0" indent="0" algn="l" defTabSz="914400" rtl="0" fontAlgn="auto" latinLnBrk="0" hangingPunct="0">
@@ -133,10 +133,10 @@
         </a:solidFill>
         <a:effectLst/>
         <a:uFillTx/>
-        <a:latin typeface="+mj-lt"/>
-        <a:ea typeface="+mj-ea"/>
-        <a:cs typeface="+mj-cs"/>
-        <a:sym typeface="Arial"/>
+        <a:latin typeface="+mn-lt"/>
+        <a:ea typeface="+mn-ea"/>
+        <a:cs typeface="+mn-cs"/>
+        <a:sym typeface="Helvetica"/>
       </a:defRPr>
     </a:lvl3pPr>
     <a:lvl4pPr marL="0" marR="0" indent="0" algn="l" defTabSz="914400" rtl="0" fontAlgn="auto" latinLnBrk="0" hangingPunct="0">
@@ -163,10 +163,10 @@
         </a:solidFill>
         <a:effectLst/>
         <a:uFillTx/>
-        <a:latin typeface="+mj-lt"/>
-        <a:ea typeface="+mj-ea"/>
-        <a:cs typeface="+mj-cs"/>
-        <a:sym typeface="Arial"/>
+        <a:latin typeface="+mn-lt"/>
+        <a:ea typeface="+mn-ea"/>
+        <a:cs typeface="+mn-cs"/>
+        <a:sym typeface="Helvetica"/>
       </a:defRPr>
     </a:lvl4pPr>
     <a:lvl5pPr marL="0" marR="0" indent="0" algn="l" defTabSz="914400" rtl="0" fontAlgn="auto" latinLnBrk="0" hangingPunct="0">
@@ -193,10 +193,10 @@
         </a:solidFill>
         <a:effectLst/>
         <a:uFillTx/>
-        <a:latin typeface="+mj-lt"/>
-        <a:ea typeface="+mj-ea"/>
-        <a:cs typeface="+mj-cs"/>
-        <a:sym typeface="Arial"/>
+        <a:latin typeface="+mn-lt"/>
+        <a:ea typeface="+mn-ea"/>
+        <a:cs typeface="+mn-cs"/>
+        <a:sym typeface="Helvetica"/>
       </a:defRPr>
     </a:lvl5pPr>
     <a:lvl6pPr marL="0" marR="0" indent="0" algn="l" defTabSz="914400" rtl="0" fontAlgn="auto" latinLnBrk="0" hangingPunct="0">
@@ -223,10 +223,10 @@
         </a:solidFill>
         <a:effectLst/>
         <a:uFillTx/>
-        <a:latin typeface="+mj-lt"/>
-        <a:ea typeface="+mj-ea"/>
-        <a:cs typeface="+mj-cs"/>
-        <a:sym typeface="Arial"/>
+        <a:latin typeface="+mn-lt"/>
+        <a:ea typeface="+mn-ea"/>
+        <a:cs typeface="+mn-cs"/>
+        <a:sym typeface="Helvetica"/>
       </a:defRPr>
     </a:lvl6pPr>
     <a:lvl7pPr marL="0" marR="0" indent="0" algn="l" defTabSz="914400" rtl="0" fontAlgn="auto" latinLnBrk="0" hangingPunct="0">
@@ -253,10 +253,10 @@
         </a:solidFill>
         <a:effectLst/>
         <a:uFillTx/>
-        <a:latin typeface="+mj-lt"/>
-        <a:ea typeface="+mj-ea"/>
-        <a:cs typeface="+mj-cs"/>
-        <a:sym typeface="Arial"/>
+        <a:latin typeface="+mn-lt"/>
+        <a:ea typeface="+mn-ea"/>
+        <a:cs typeface="+mn-cs"/>
+        <a:sym typeface="Helvetica"/>
       </a:defRPr>
     </a:lvl7pPr>
     <a:lvl8pPr marL="0" marR="0" indent="0" algn="l" defTabSz="914400" rtl="0" fontAlgn="auto" latinLnBrk="0" hangingPunct="0">
@@ -283,10 +283,10 @@
         </a:solidFill>
         <a:effectLst/>
         <a:uFillTx/>
-        <a:latin typeface="+mj-lt"/>
-        <a:ea typeface="+mj-ea"/>
-        <a:cs typeface="+mj-cs"/>
-        <a:sym typeface="Arial"/>
+        <a:latin typeface="+mn-lt"/>
+        <a:ea typeface="+mn-ea"/>
+        <a:cs typeface="+mn-cs"/>
+        <a:sym typeface="Helvetica"/>
       </a:defRPr>
     </a:lvl8pPr>
     <a:lvl9pPr marL="0" marR="0" indent="0" algn="l" defTabSz="914400" rtl="0" fontAlgn="auto" latinLnBrk="0" hangingPunct="0">
@@ -313,10 +313,10 @@
         </a:solidFill>
         <a:effectLst/>
         <a:uFillTx/>
-        <a:latin typeface="+mj-lt"/>
-        <a:ea typeface="+mj-ea"/>
-        <a:cs typeface="+mj-cs"/>
-        <a:sym typeface="Arial"/>
+        <a:latin typeface="+mn-lt"/>
+        <a:ea typeface="+mn-ea"/>
+        <a:cs typeface="+mn-cs"/>
+        <a:sym typeface="Helvetica"/>
       </a:defRPr>
     </a:lvl9pPr>
   </p:defaultTextStyle>
@@ -475,7 +475,7 @@
 </file>
 
 <file path=ppt/slideLayouts/slideLayout1.xml><?xml version="1.0" encoding="utf-8"?>
-<p:sldLayout xmlns:a="http://schemas.openxmlformats.org/drawingml/2006/main" xmlns:r="http://schemas.openxmlformats.org/officeDocument/2006/relationships" xmlns:p="http://schemas.openxmlformats.org/presentationml/2006/main" xmlns:m="http://schemas.openxmlformats.org/officeDocument/2006/math" xmlns:a14="http://schemas.microsoft.com/office/drawing/2010/main" type="tx" showMasterSp="0" showMasterPhAnim="1">
+<p:sldLayout xmlns:a="http://schemas.openxmlformats.org/drawingml/2006/main" xmlns:r="http://schemas.openxmlformats.org/officeDocument/2006/relationships" xmlns:p="http://schemas.openxmlformats.org/presentationml/2006/main" xmlns:m="http://schemas.openxmlformats.org/officeDocument/2006/math" xmlns:a14="http://schemas.microsoft.com/office/drawing/2010/main" type="tx" showMasterSp="1" showMasterPhAnim="1">
   <p:cSld name="TITLE_AND_BODY">
     <p:bg>
       <p:bgPr>
@@ -504,7 +504,7 @@
       </p:grpSpPr>
       <p:sp>
         <p:nvSpPr>
-          <p:cNvPr id="12" name="Title Text"/>
+          <p:cNvPr id="11" name="Title Text"/>
           <p:cNvSpPr txBox="1"/>
           <p:nvPr>
             <p:ph type="title"/>
@@ -512,17 +512,15 @@
         </p:nvSpPr>
         <p:spPr>
           <a:xfrm>
-            <a:off x="4308199" y="1991823"/>
-            <a:ext cx="4226103" cy="1159802"/>
+            <a:off x="4308199" y="1991822"/>
+            <a:ext cx="4226103" cy="1159803"/>
           </a:xfrm>
           <a:prstGeom prst="rect">
             <a:avLst/>
           </a:prstGeom>
         </p:spPr>
         <p:txBody>
-          <a:bodyPr anchor="ctr">
-            <a:normAutofit fontScale="100000" lnSpcReduction="0"/>
-          </a:bodyPr>
+          <a:bodyPr anchor="ctr"/>
           <a:lstStyle>
             <a:lvl1pPr>
               <a:defRPr sz="5600"/>
@@ -538,7 +536,7 @@
       </p:sp>
       <p:sp>
         <p:nvSpPr>
-          <p:cNvPr id="13" name="Slide Number"/>
+          <p:cNvPr id="12" name="Slide Number"/>
           <p:cNvSpPr txBox="1"/>
           <p:nvPr>
             <p:ph type="sldNum" sz="quarter" idx="2"/>
@@ -580,7 +578,7 @@
 </file>
 
 <file path=ppt/slideLayouts/slideLayout10.xml><?xml version="1.0" encoding="utf-8"?>
-<p:sldLayout xmlns:a="http://schemas.openxmlformats.org/drawingml/2006/main" xmlns:r="http://schemas.openxmlformats.org/officeDocument/2006/relationships" xmlns:p="http://schemas.openxmlformats.org/presentationml/2006/main" xmlns:m="http://schemas.openxmlformats.org/officeDocument/2006/math" xmlns:a14="http://schemas.microsoft.com/office/drawing/2010/main" type="tx" showMasterSp="0" showMasterPhAnim="1">
+<p:sldLayout xmlns:a="http://schemas.openxmlformats.org/drawingml/2006/main" xmlns:r="http://schemas.openxmlformats.org/officeDocument/2006/relationships" xmlns:p="http://schemas.openxmlformats.org/presentationml/2006/main" xmlns:m="http://schemas.openxmlformats.org/officeDocument/2006/math" xmlns:a14="http://schemas.microsoft.com/office/drawing/2010/main" type="tx" showMasterSp="1" showMasterPhAnim="1">
   <p:cSld name="CAPTION_ONLY">
     <p:bg>
       <p:bgPr>
@@ -618,18 +616,16 @@
         <p:spPr>
           <a:xfrm>
             <a:off x="4115699" y="4406300"/>
-            <a:ext cx="4571101" cy="519602"/>
+            <a:ext cx="4571101" cy="519603"/>
           </a:xfrm>
           <a:prstGeom prst="rect">
             <a:avLst/>
           </a:prstGeom>
         </p:spPr>
         <p:txBody>
-          <a:bodyPr>
-            <a:normAutofit fontScale="100000" lnSpcReduction="0"/>
-          </a:bodyPr>
+          <a:bodyPr/>
           <a:lstStyle>
-            <a:lvl1pPr marL="228600" indent="0">
+            <a:lvl1pPr marL="0" indent="228600">
               <a:spcBef>
                 <a:spcPts val="1000"/>
               </a:spcBef>
@@ -657,7 +653,7 @@
               <a:buFontTx/>
               <a:defRPr sz="1600"/>
             </a:lvl3pPr>
-            <a:lvl4pPr marL="1757679" indent="-284479">
+            <a:lvl4pPr marL="1757678" indent="-284478">
               <a:spcBef>
                 <a:spcPts val="1000"/>
               </a:spcBef>
@@ -666,7 +662,7 @@
               <a:buFontTx/>
               <a:defRPr sz="1600"/>
             </a:lvl4pPr>
-            <a:lvl5pPr marL="2214879" indent="-284479">
+            <a:lvl5pPr marL="2214878" indent="-284478">
               <a:spcBef>
                 <a:spcPts val="1000"/>
               </a:spcBef>
@@ -748,19 +744,8 @@
 </file>
 
 <file path=ppt/slideLayouts/slideLayout2.xml><?xml version="1.0" encoding="utf-8"?>
-<p:sldLayout xmlns:a="http://schemas.openxmlformats.org/drawingml/2006/main" xmlns:r="http://schemas.openxmlformats.org/officeDocument/2006/relationships" xmlns:p="http://schemas.openxmlformats.org/presentationml/2006/main" xmlns:m="http://schemas.openxmlformats.org/officeDocument/2006/math" xmlns:a14="http://schemas.microsoft.com/office/drawing/2010/main" type="tx" showMasterSp="0" showMasterPhAnim="1">
+<p:sldLayout xmlns:a="http://schemas.openxmlformats.org/drawingml/2006/main" xmlns:r="http://schemas.openxmlformats.org/officeDocument/2006/relationships" xmlns:p="http://schemas.openxmlformats.org/presentationml/2006/main" xmlns:m="http://schemas.openxmlformats.org/officeDocument/2006/math" xmlns:a14="http://schemas.microsoft.com/office/drawing/2010/main" type="tx" showMasterSp="1" showMasterPhAnim="1">
   <p:cSld name="TITLE_AND_TWO_COLUMNS">
-    <p:bg>
-      <p:bgPr>
-        <a:blipFill rotWithShape="1">
-          <a:blip r:embed="rId2"/>
-          <a:srcRect l="0" t="0" r="0" b="0"/>
-          <a:stretch>
-            <a:fillRect/>
-          </a:stretch>
-        </a:blipFill>
-      </p:bgPr>
-    </p:bg>
     <p:spTree>
       <p:nvGrpSpPr>
         <p:cNvPr id="1" name=""/>
@@ -777,25 +762,19 @@
       </p:grpSpPr>
       <p:sp>
         <p:nvSpPr>
-          <p:cNvPr id="20" name="Title Text"/>
+          <p:cNvPr id="19" name="Title Text"/>
           <p:cNvSpPr txBox="1"/>
           <p:nvPr>
             <p:ph type="title"/>
           </p:nvPr>
         </p:nvSpPr>
         <p:spPr>
-          <a:xfrm>
-            <a:off x="2854150" y="205975"/>
-            <a:ext cx="5832601" cy="857400"/>
-          </a:xfrm>
           <a:prstGeom prst="rect">
             <a:avLst/>
           </a:prstGeom>
         </p:spPr>
         <p:txBody>
-          <a:bodyPr>
-            <a:normAutofit fontScale="100000" lnSpcReduction="0"/>
-          </a:bodyPr>
+          <a:bodyPr/>
           <a:lstStyle/>
           <a:p>
             <a:pPr/>
@@ -807,47 +786,20 @@
       </p:sp>
       <p:sp>
         <p:nvSpPr>
-          <p:cNvPr id="21" name="Body Level One…"/>
+          <p:cNvPr id="20" name="Body Level One…"/>
           <p:cNvSpPr txBox="1"/>
           <p:nvPr>
             <p:ph type="body" sz="half" idx="1"/>
           </p:nvPr>
         </p:nvSpPr>
         <p:spPr>
-          <a:xfrm>
-            <a:off x="2854175" y="1333125"/>
-            <a:ext cx="2831102" cy="3459601"/>
-          </a:xfrm>
           <a:prstGeom prst="rect">
             <a:avLst/>
           </a:prstGeom>
         </p:spPr>
         <p:txBody>
-          <a:bodyPr>
-            <a:normAutofit fontScale="100000" lnSpcReduction="0"/>
-          </a:bodyPr>
-          <a:lstStyle>
-            <a:lvl1pPr indent="-342900">
-              <a:buSzPts val="1800"/>
-              <a:defRPr sz="1800"/>
-            </a:lvl1pPr>
-            <a:lvl2pPr indent="-342900">
-              <a:buSzPts val="1800"/>
-              <a:defRPr sz="1800"/>
-            </a:lvl2pPr>
-            <a:lvl3pPr indent="-342900">
-              <a:buSzPts val="1800"/>
-              <a:defRPr sz="1800"/>
-            </a:lvl3pPr>
-            <a:lvl4pPr indent="-342900">
-              <a:buSzPts val="1800"/>
-              <a:defRPr sz="1800"/>
-            </a:lvl4pPr>
-            <a:lvl5pPr indent="-342900">
-              <a:buSzPts val="1800"/>
-              <a:defRPr sz="1800"/>
-            </a:lvl5pPr>
-          </a:lstStyle>
+          <a:bodyPr/>
+          <a:lstStyle/>
           <a:p>
             <a:pPr/>
             <a:r>
@@ -882,7 +834,7 @@
       </p:sp>
       <p:sp>
         <p:nvSpPr>
-          <p:cNvPr id="22" name="Google Shape;15;p42"/>
+          <p:cNvPr id="21" name="Google Shape;15;p42"/>
           <p:cNvSpPr txBox="1"/>
           <p:nvPr>
             <p:ph type="body" sz="half" idx="21"/>
@@ -890,26 +842,27 @@
         </p:nvSpPr>
         <p:spPr>
           <a:xfrm>
-            <a:off x="5855725" y="1333123"/>
-            <a:ext cx="2831102" cy="3459603"/>
+            <a:off x="5855725" y="1333122"/>
+            <a:ext cx="2831103" cy="3459605"/>
           </a:xfrm>
           <a:prstGeom prst="rect">
             <a:avLst/>
           </a:prstGeom>
         </p:spPr>
         <p:txBody>
-          <a:bodyPr>
-            <a:normAutofit fontScale="100000" lnSpcReduction="0"/>
-          </a:bodyPr>
+          <a:bodyPr/>
           <a:lstStyle/>
           <a:p>
-            <a:pPr/>
+            <a:pPr indent="-355600">
+              <a:buSzPts val="2000"/>
+              <a:defRPr sz="2000"/>
+            </a:pPr>
           </a:p>
         </p:txBody>
       </p:sp>
       <p:sp>
         <p:nvSpPr>
-          <p:cNvPr id="23" name="Slide Number"/>
+          <p:cNvPr id="22" name="Slide Number"/>
           <p:cNvSpPr txBox="1"/>
           <p:nvPr>
             <p:ph type="sldNum" sz="quarter" idx="2"/>
@@ -941,6 +894,13 @@
 <file path=ppt/slideLayouts/slideLayout3.xml><?xml version="1.0" encoding="utf-8"?>
 <p:sldLayout xmlns:a="http://schemas.openxmlformats.org/drawingml/2006/main" xmlns:r="http://schemas.openxmlformats.org/officeDocument/2006/relationships" xmlns:p="http://schemas.openxmlformats.org/presentationml/2006/main" xmlns:m="http://schemas.openxmlformats.org/officeDocument/2006/math" xmlns:a14="http://schemas.microsoft.com/office/drawing/2010/main" type="tx" showMasterSp="1" showMasterPhAnim="1">
   <p:cSld name="BLANK_1">
+    <p:bg>
+      <p:bgPr>
+        <a:solidFill>
+          <a:srgbClr val="FFFFFF"/>
+        </a:solidFill>
+      </p:bgPr>
+    </p:bg>
     <p:spTree>
       <p:nvGrpSpPr>
         <p:cNvPr id="1" name=""/>
@@ -955,6 +915,35 @@
           <a:chExt cx="0" cy="0"/>
         </a:xfrm>
       </p:grpSpPr>
+      <p:pic>
+        <p:nvPicPr>
+          <p:cNvPr id="29" name="Google Shape;18;p43" descr="Google Shape;18;p43"/>
+          <p:cNvPicPr>
+            <a:picLocks noChangeAspect="1"/>
+          </p:cNvPicPr>
+          <p:nvPr/>
+        </p:nvPicPr>
+        <p:blipFill>
+          <a:blip r:embed="rId2">
+            <a:extLst/>
+          </a:blip>
+          <a:stretch>
+            <a:fillRect/>
+          </a:stretch>
+        </p:blipFill>
+        <p:spPr>
+          <a:xfrm>
+            <a:off x="0" y="0"/>
+            <a:ext cx="9144000" cy="5143500"/>
+          </a:xfrm>
+          <a:prstGeom prst="rect">
+            <a:avLst/>
+          </a:prstGeom>
+          <a:ln w="12700">
+            <a:miter lim="400000"/>
+          </a:ln>
+        </p:spPr>
+      </p:pic>
       <p:sp>
         <p:nvSpPr>
           <p:cNvPr id="30" name="Slide Number"/>
@@ -987,19 +976,8 @@
 </file>
 
 <file path=ppt/slideLayouts/slideLayout4.xml><?xml version="1.0" encoding="utf-8"?>
-<p:sldLayout xmlns:a="http://schemas.openxmlformats.org/drawingml/2006/main" xmlns:r="http://schemas.openxmlformats.org/officeDocument/2006/relationships" xmlns:p="http://schemas.openxmlformats.org/presentationml/2006/main" xmlns:m="http://schemas.openxmlformats.org/officeDocument/2006/math" xmlns:a14="http://schemas.microsoft.com/office/drawing/2010/main" type="tx" showMasterSp="0" showMasterPhAnim="1">
+<p:sldLayout xmlns:a="http://schemas.openxmlformats.org/drawingml/2006/main" xmlns:r="http://schemas.openxmlformats.org/officeDocument/2006/relationships" xmlns:p="http://schemas.openxmlformats.org/presentationml/2006/main" xmlns:m="http://schemas.openxmlformats.org/officeDocument/2006/math" xmlns:a14="http://schemas.microsoft.com/office/drawing/2010/main" type="tx" showMasterSp="1" showMasterPhAnim="1">
   <p:cSld name="TITLE_AND_TWO_COLUMNS_1">
-    <p:bg>
-      <p:bgPr>
-        <a:blipFill rotWithShape="1">
-          <a:blip r:embed="rId2"/>
-          <a:srcRect l="0" t="0" r="0" b="0"/>
-          <a:stretch>
-            <a:fillRect/>
-          </a:stretch>
-        </a:blipFill>
-      </p:bgPr>
-    </p:bg>
     <p:spTree>
       <p:nvGrpSpPr>
         <p:cNvPr id="1" name=""/>
@@ -1023,18 +1001,12 @@
           </p:nvPr>
         </p:nvSpPr>
         <p:spPr>
-          <a:xfrm>
-            <a:off x="2854150" y="205975"/>
-            <a:ext cx="5832601" cy="857400"/>
-          </a:xfrm>
           <a:prstGeom prst="rect">
             <a:avLst/>
           </a:prstGeom>
         </p:spPr>
         <p:txBody>
-          <a:bodyPr>
-            <a:normAutofit fontScale="100000" lnSpcReduction="0"/>
-          </a:bodyPr>
+          <a:bodyPr/>
           <a:lstStyle/>
           <a:p>
             <a:pPr/>
@@ -1055,16 +1027,14 @@
         <p:spPr>
           <a:xfrm>
             <a:off x="2854150" y="1333125"/>
-            <a:ext cx="1859402" cy="3459601"/>
+            <a:ext cx="1859403" cy="3459601"/>
           </a:xfrm>
           <a:prstGeom prst="rect">
             <a:avLst/>
           </a:prstGeom>
         </p:spPr>
         <p:txBody>
-          <a:bodyPr>
-            <a:normAutofit fontScale="100000" lnSpcReduction="0"/>
-          </a:bodyPr>
+          <a:bodyPr/>
           <a:lstStyle>
             <a:lvl1pPr indent="-330200">
               <a:buSzPts val="1600"/>
@@ -1129,20 +1099,21 @@
         </p:nvSpPr>
         <p:spPr>
           <a:xfrm>
-            <a:off x="4808735" y="1333123"/>
-            <a:ext cx="1859402" cy="3459603"/>
+            <a:off x="4808735" y="1333122"/>
+            <a:ext cx="1859403" cy="3459605"/>
           </a:xfrm>
           <a:prstGeom prst="rect">
             <a:avLst/>
           </a:prstGeom>
         </p:spPr>
         <p:txBody>
-          <a:bodyPr>
-            <a:normAutofit fontScale="100000" lnSpcReduction="0"/>
-          </a:bodyPr>
+          <a:bodyPr/>
           <a:lstStyle/>
           <a:p>
-            <a:pPr/>
+            <a:pPr indent="-355600">
+              <a:buSzPts val="2000"/>
+              <a:defRPr sz="2000"/>
+            </a:pPr>
           </a:p>
         </p:txBody>
       </p:sp>
@@ -1156,20 +1127,21 @@
         </p:nvSpPr>
         <p:spPr>
           <a:xfrm>
-            <a:off x="6763322" y="1333123"/>
-            <a:ext cx="1859402" cy="3459603"/>
+            <a:off x="6763322" y="1333122"/>
+            <a:ext cx="1859403" cy="3459605"/>
           </a:xfrm>
           <a:prstGeom prst="rect">
             <a:avLst/>
           </a:prstGeom>
         </p:spPr>
         <p:txBody>
-          <a:bodyPr>
-            <a:normAutofit fontScale="100000" lnSpcReduction="0"/>
-          </a:bodyPr>
+          <a:bodyPr/>
           <a:lstStyle/>
           <a:p>
-            <a:pPr/>
+            <a:pPr indent="-355600">
+              <a:buSzPts val="2000"/>
+              <a:defRPr sz="2000"/>
+            </a:pPr>
           </a:p>
         </p:txBody>
       </p:sp>
@@ -1205,7 +1177,7 @@
 </file>
 
 <file path=ppt/slideLayouts/slideLayout5.xml><?xml version="1.0" encoding="utf-8"?>
-<p:sldLayout xmlns:a="http://schemas.openxmlformats.org/drawingml/2006/main" xmlns:r="http://schemas.openxmlformats.org/officeDocument/2006/relationships" xmlns:p="http://schemas.openxmlformats.org/presentationml/2006/main" xmlns:m="http://schemas.openxmlformats.org/officeDocument/2006/math" xmlns:a14="http://schemas.microsoft.com/office/drawing/2010/main" type="tx" showMasterSp="0" showMasterPhAnim="1">
+<p:sldLayout xmlns:a="http://schemas.openxmlformats.org/drawingml/2006/main" xmlns:r="http://schemas.openxmlformats.org/officeDocument/2006/relationships" xmlns:p="http://schemas.openxmlformats.org/presentationml/2006/main" xmlns:m="http://schemas.openxmlformats.org/officeDocument/2006/math" xmlns:a14="http://schemas.microsoft.com/office/drawing/2010/main" type="tx" showMasterSp="1" showMasterPhAnim="1">
   <p:cSld name="BLANK">
     <p:bg>
       <p:bgPr>
@@ -1272,7 +1244,7 @@
 </file>
 
 <file path=ppt/slideLayouts/slideLayout6.xml><?xml version="1.0" encoding="utf-8"?>
-<p:sldLayout xmlns:a="http://schemas.openxmlformats.org/drawingml/2006/main" xmlns:r="http://schemas.openxmlformats.org/officeDocument/2006/relationships" xmlns:p="http://schemas.openxmlformats.org/presentationml/2006/main" xmlns:m="http://schemas.openxmlformats.org/officeDocument/2006/math" xmlns:a14="http://schemas.microsoft.com/office/drawing/2010/main" type="tx" showMasterSp="0" showMasterPhAnim="1">
+<p:sldLayout xmlns:a="http://schemas.openxmlformats.org/drawingml/2006/main" xmlns:r="http://schemas.openxmlformats.org/officeDocument/2006/relationships" xmlns:p="http://schemas.openxmlformats.org/presentationml/2006/main" xmlns:m="http://schemas.openxmlformats.org/officeDocument/2006/math" xmlns:a14="http://schemas.microsoft.com/office/drawing/2010/main" type="tx" showMasterSp="1" showMasterPhAnim="1">
   <p:cSld name="TITLE_1">
     <p:bg>
       <p:bgPr>
@@ -1310,16 +1282,14 @@
         <p:spPr>
           <a:xfrm>
             <a:off x="4308199" y="1735750"/>
-            <a:ext cx="4150201" cy="1159802"/>
+            <a:ext cx="4150201" cy="1159803"/>
           </a:xfrm>
           <a:prstGeom prst="rect">
             <a:avLst/>
           </a:prstGeom>
         </p:spPr>
         <p:txBody>
-          <a:bodyPr>
-            <a:normAutofit fontScale="100000" lnSpcReduction="0"/>
-          </a:bodyPr>
+          <a:bodyPr/>
           <a:lstStyle>
             <a:lvl1pPr>
               <a:defRPr sz="4000"/>
@@ -1344,67 +1314,65 @@
         <p:spPr>
           <a:xfrm>
             <a:off x="4308199" y="2992452"/>
-            <a:ext cx="4150201" cy="784802"/>
+            <a:ext cx="4150201" cy="784803"/>
           </a:xfrm>
           <a:prstGeom prst="rect">
             <a:avLst/>
           </a:prstGeom>
         </p:spPr>
         <p:txBody>
-          <a:bodyPr>
-            <a:normAutofit fontScale="100000" lnSpcReduction="0"/>
-          </a:bodyPr>
+          <a:bodyPr/>
           <a:lstStyle>
-            <a:lvl1pPr marL="228600" indent="0">
+            <a:lvl1pPr marL="0" indent="228600">
               <a:buClrTx/>
               <a:buSzTx/>
               <a:buFontTx/>
               <a:buNone/>
-              <a:defRPr>
+              <a:defRPr sz="2000">
                 <a:solidFill>
                   <a:schemeClr val="accent5"/>
                 </a:solidFill>
               </a:defRPr>
             </a:lvl1pPr>
-            <a:lvl2pPr marL="228600" indent="457200">
+            <a:lvl2pPr marL="0" indent="228600">
               <a:buClrTx/>
               <a:buSzTx/>
               <a:buFontTx/>
               <a:buNone/>
-              <a:defRPr>
+              <a:defRPr sz="2000">
                 <a:solidFill>
                   <a:schemeClr val="accent5"/>
                 </a:solidFill>
               </a:defRPr>
             </a:lvl2pPr>
-            <a:lvl3pPr marL="228600" indent="914400">
+            <a:lvl3pPr marL="0" indent="228600">
               <a:buClrTx/>
               <a:buSzTx/>
               <a:buFontTx/>
               <a:buNone/>
-              <a:defRPr>
+              <a:defRPr sz="2000">
                 <a:solidFill>
                   <a:schemeClr val="accent5"/>
                 </a:solidFill>
               </a:defRPr>
             </a:lvl3pPr>
-            <a:lvl4pPr marL="228600" indent="1371600">
+            <a:lvl4pPr marL="0" indent="228600">
               <a:buClrTx/>
               <a:buSzTx/>
               <a:buFontTx/>
               <a:buNone/>
-              <a:defRPr>
+              <a:defRPr sz="2000">
                 <a:solidFill>
                   <a:schemeClr val="accent5"/>
                 </a:solidFill>
               </a:defRPr>
             </a:lvl4pPr>
-            <a:lvl5pPr marL="228600" indent="1828800">
+            <a:lvl5pPr marL="0" indent="228600">
               <a:buClrTx/>
               <a:buSzTx/>
               <a:buFontTx/>
               <a:buNone/>
-              <a:defRPr>
+              <a:defRPr sz="2000">
                 <a:solidFill>
                   <a:schemeClr val="accent5"/>
                 </a:solidFill>
@@ -1487,7 +1455,7 @@
 </file>
 
 <file path=ppt/slideLayouts/slideLayout7.xml><?xml version="1.0" encoding="utf-8"?>
-<p:sldLayout xmlns:a="http://schemas.openxmlformats.org/drawingml/2006/main" xmlns:r="http://schemas.openxmlformats.org/officeDocument/2006/relationships" xmlns:p="http://schemas.openxmlformats.org/presentationml/2006/main" xmlns:m="http://schemas.openxmlformats.org/officeDocument/2006/math" xmlns:a14="http://schemas.microsoft.com/office/drawing/2010/main" type="tx" showMasterSp="0" showMasterPhAnim="1">
+<p:sldLayout xmlns:a="http://schemas.openxmlformats.org/drawingml/2006/main" xmlns:r="http://schemas.openxmlformats.org/officeDocument/2006/relationships" xmlns:p="http://schemas.openxmlformats.org/presentationml/2006/main" xmlns:m="http://schemas.openxmlformats.org/officeDocument/2006/math" xmlns:a14="http://schemas.microsoft.com/office/drawing/2010/main" type="tx" showMasterSp="1" showMasterPhAnim="1">
   <p:cSld name="TITLE_1_1">
     <p:bg>
       <p:bgPr>
@@ -1522,8 +1490,8 @@
         </p:nvSpPr>
         <p:spPr>
           <a:xfrm>
-            <a:off x="3417824" y="198"/>
-            <a:ext cx="5726103" cy="5143503"/>
+            <a:off x="3417824" y="197"/>
+            <a:ext cx="5726103" cy="5143505"/>
           </a:xfrm>
           <a:prstGeom prst="rect">
             <a:avLst/>
@@ -1556,6 +1524,10 @@
                 <a:solidFill>
                   <a:srgbClr val="000000"/>
                 </a:solidFill>
+                <a:latin typeface="+mj-lt"/>
+                <a:ea typeface="+mj-ea"/>
+                <a:cs typeface="+mj-cs"/>
+                <a:sym typeface="Arial"/>
               </a:defRPr>
             </a:pPr>
           </a:p>
@@ -1572,16 +1544,14 @@
         <p:spPr>
           <a:xfrm>
             <a:off x="4384399" y="637800"/>
-            <a:ext cx="4097402" cy="1894802"/>
+            <a:ext cx="4097402" cy="1894803"/>
           </a:xfrm>
           <a:prstGeom prst="rect">
             <a:avLst/>
           </a:prstGeom>
         </p:spPr>
         <p:txBody>
-          <a:bodyPr>
-            <a:normAutofit fontScale="100000" lnSpcReduction="0"/>
-          </a:bodyPr>
+          <a:bodyPr/>
           <a:lstStyle>
             <a:lvl1pPr indent="-381000">
               <a:buSzPts val="2400"/>
@@ -1645,7 +1615,7 @@
         <p:spPr>
           <a:xfrm>
             <a:off x="3850999" y="476574"/>
-            <a:ext cx="1242302" cy="1092201"/>
+            <a:ext cx="1242303" cy="1092201"/>
           </a:xfrm>
           <a:prstGeom prst="rect">
             <a:avLst/>
@@ -1724,7 +1694,7 @@
 </file>
 
 <file path=ppt/slideLayouts/slideLayout8.xml><?xml version="1.0" encoding="utf-8"?>
-<p:sldLayout xmlns:a="http://schemas.openxmlformats.org/drawingml/2006/main" xmlns:r="http://schemas.openxmlformats.org/officeDocument/2006/relationships" xmlns:p="http://schemas.openxmlformats.org/presentationml/2006/main" xmlns:m="http://schemas.openxmlformats.org/officeDocument/2006/math" xmlns:a14="http://schemas.microsoft.com/office/drawing/2010/main" type="tx" showMasterSp="0" showMasterPhAnim="1">
+<p:sldLayout xmlns:a="http://schemas.openxmlformats.org/drawingml/2006/main" xmlns:r="http://schemas.openxmlformats.org/officeDocument/2006/relationships" xmlns:p="http://schemas.openxmlformats.org/presentationml/2006/main" xmlns:m="http://schemas.openxmlformats.org/officeDocument/2006/math" xmlns:a14="http://schemas.microsoft.com/office/drawing/2010/main" type="tx" showMasterSp="1" showMasterPhAnim="1">
   <p:cSld name="TITLE_AND_BODY 2">
     <p:bg>
       <p:bgPr>
@@ -1769,9 +1739,7 @@
           </a:prstGeom>
         </p:spPr>
         <p:txBody>
-          <a:bodyPr>
-            <a:normAutofit fontScale="100000" lnSpcReduction="0"/>
-          </a:bodyPr>
+          <a:bodyPr/>
           <a:lstStyle/>
           <a:p>
             <a:pPr/>
@@ -1799,10 +1767,29 @@
           </a:prstGeom>
         </p:spPr>
         <p:txBody>
-          <a:bodyPr>
-            <a:normAutofit fontScale="100000" lnSpcReduction="0"/>
-          </a:bodyPr>
-          <a:lstStyle/>
+          <a:bodyPr/>
+          <a:lstStyle>
+            <a:lvl1pPr indent="-355600">
+              <a:buSzPts val="2000"/>
+              <a:defRPr sz="2000"/>
+            </a:lvl1pPr>
+            <a:lvl2pPr indent="-355600">
+              <a:buSzPts val="2000"/>
+              <a:defRPr sz="2000"/>
+            </a:lvl2pPr>
+            <a:lvl3pPr indent="-355600">
+              <a:buSzPts val="2000"/>
+              <a:defRPr sz="2000"/>
+            </a:lvl3pPr>
+            <a:lvl4pPr indent="-355600">
+              <a:buSzPts val="2000"/>
+              <a:defRPr sz="2000"/>
+            </a:lvl4pPr>
+            <a:lvl5pPr indent="-355600">
+              <a:buSzPts val="2000"/>
+              <a:defRPr sz="2000"/>
+            </a:lvl5pPr>
+          </a:lstStyle>
           <a:p>
             <a:pPr/>
             <a:r>
@@ -1875,7 +1862,7 @@
 </file>
 
 <file path=ppt/slideLayouts/slideLayout9.xml><?xml version="1.0" encoding="utf-8"?>
-<p:sldLayout xmlns:a="http://schemas.openxmlformats.org/drawingml/2006/main" xmlns:r="http://schemas.openxmlformats.org/officeDocument/2006/relationships" xmlns:p="http://schemas.openxmlformats.org/presentationml/2006/main" xmlns:m="http://schemas.openxmlformats.org/officeDocument/2006/math" xmlns:a14="http://schemas.microsoft.com/office/drawing/2010/main" type="tx" showMasterSp="0" showMasterPhAnim="1">
+<p:sldLayout xmlns:a="http://schemas.openxmlformats.org/drawingml/2006/main" xmlns:r="http://schemas.openxmlformats.org/officeDocument/2006/relationships" xmlns:p="http://schemas.openxmlformats.org/presentationml/2006/main" xmlns:m="http://schemas.openxmlformats.org/officeDocument/2006/math" xmlns:a14="http://schemas.microsoft.com/office/drawing/2010/main" type="tx" showMasterSp="1" showMasterPhAnim="1">
   <p:cSld name="TITLE_ONLY">
     <p:bg>
       <p:bgPr>
@@ -1920,9 +1907,7 @@
           </a:prstGeom>
         </p:spPr>
         <p:txBody>
-          <a:bodyPr>
-            <a:normAutofit fontScale="100000" lnSpcReduction="0"/>
-          </a:bodyPr>
+          <a:bodyPr/>
           <a:lstStyle/>
           <a:p>
             <a:pPr/>
@@ -1976,9 +1961,13 @@
   <p:cSld>
     <p:bg>
       <p:bgPr>
-        <a:solidFill>
-          <a:srgbClr val="FFFFFF"/>
-        </a:solidFill>
+        <a:blipFill rotWithShape="1">
+          <a:blip r:embed="rId2"/>
+          <a:srcRect l="0" t="0" r="0" b="0"/>
+          <a:stretch>
+            <a:fillRect/>
+          </a:stretch>
+        </a:blipFill>
       </p:bgPr>
     </p:bg>
     <p:spTree>
@@ -1995,38 +1984,9 @@
           <a:chExt cx="0" cy="0"/>
         </a:xfrm>
       </p:grpSpPr>
-      <p:pic>
-        <p:nvPicPr>
-          <p:cNvPr id="2" name="Google Shape;18;p43" descr="Google Shape;18;p43"/>
-          <p:cNvPicPr>
-            <a:picLocks noChangeAspect="1"/>
-          </p:cNvPicPr>
-          <p:nvPr/>
-        </p:nvPicPr>
-        <p:blipFill>
-          <a:blip r:embed="rId2">
-            <a:extLst/>
-          </a:blip>
-          <a:stretch>
-            <a:fillRect/>
-          </a:stretch>
-        </p:blipFill>
-        <p:spPr>
-          <a:xfrm>
-            <a:off x="0" y="0"/>
-            <a:ext cx="9144000" cy="5143500"/>
-          </a:xfrm>
-          <a:prstGeom prst="rect">
-            <a:avLst/>
-          </a:prstGeom>
-          <a:ln w="12700">
-            <a:miter lim="400000"/>
-          </a:ln>
-        </p:spPr>
-      </p:pic>
       <p:sp>
         <p:nvSpPr>
-          <p:cNvPr id="3" name="Title Text"/>
+          <p:cNvPr id="2" name="Title Text"/>
           <p:cNvSpPr txBox="1"/>
           <p:nvPr>
             <p:ph type="title"/>
@@ -2034,8 +1994,8 @@
         </p:nvSpPr>
         <p:spPr>
           <a:xfrm>
-            <a:off x="457200" y="0"/>
-            <a:ext cx="8229600" cy="1063229"/>
+            <a:off x="2854150" y="205975"/>
+            <a:ext cx="5832601" cy="857400"/>
           </a:xfrm>
           <a:prstGeom prst="rect">
             <a:avLst/>
@@ -2050,7 +2010,9 @@
           </a:extLst>
         </p:spPr>
         <p:txBody>
-          <a:bodyPr lIns="0" tIns="0" rIns="0" bIns="0" anchor="b"/>
+          <a:bodyPr lIns="0" tIns="0" rIns="0" bIns="0" anchor="b">
+            <a:normAutofit fontScale="100000" lnSpcReduction="0"/>
+          </a:bodyPr>
           <a:lstStyle/>
           <a:p>
             <a:pPr/>
@@ -2062,7 +2024,7 @@
       </p:sp>
       <p:sp>
         <p:nvSpPr>
-          <p:cNvPr id="4" name="Body Level One…"/>
+          <p:cNvPr id="3" name="Body Level One…"/>
           <p:cNvSpPr txBox="1"/>
           <p:nvPr>
             <p:ph type="body" idx="1"/>
@@ -2070,8 +2032,8 @@
         </p:nvSpPr>
         <p:spPr>
           <a:xfrm>
-            <a:off x="457200" y="1200150"/>
-            <a:ext cx="8229600" cy="3943350"/>
+            <a:off x="2854175" y="1333125"/>
+            <a:ext cx="2831103" cy="3459601"/>
           </a:xfrm>
           <a:prstGeom prst="rect">
             <a:avLst/>
@@ -2086,7 +2048,9 @@
           </a:extLst>
         </p:spPr>
         <p:txBody>
-          <a:bodyPr lIns="0" tIns="0" rIns="0" bIns="0"/>
+          <a:bodyPr lIns="0" tIns="0" rIns="0" bIns="0">
+            <a:normAutofit fontScale="100000" lnSpcReduction="0"/>
+          </a:bodyPr>
           <a:lstStyle/>
           <a:p>
             <a:pPr/>
@@ -2122,7 +2086,7 @@
       </p:sp>
       <p:sp>
         <p:nvSpPr>
-          <p:cNvPr id="5" name="Slide Number"/>
+          <p:cNvPr id="4" name="Slide Number"/>
           <p:cNvSpPr txBox="1"/>
           <p:nvPr>
             <p:ph type="sldNum" sz="quarter" idx="2"/>
@@ -2417,7 +2381,7 @@
       </a:lvl9pPr>
     </p:titleStyle>
     <p:bodyStyle>
-      <a:lvl1pPr marL="457200" marR="0" indent="-355600" algn="l" defTabSz="914400" rtl="0" latinLnBrk="0">
+      <a:lvl1pPr marL="457200" marR="0" indent="-342900" algn="l" defTabSz="914400" rtl="0" latinLnBrk="0">
         <a:lnSpc>
           <a:spcPct val="115000"/>
         </a:lnSpc>
@@ -2430,11 +2394,11 @@
         <a:buClr>
           <a:schemeClr val="accent4"/>
         </a:buClr>
-        <a:buSzPts val="2000"/>
+        <a:buSzPts val="1800"/>
         <a:buFont typeface="Helvetica Neue"/>
         <a:buChar char="⪢"/>
         <a:tabLst/>
-        <a:defRPr b="0" baseline="0" cap="none" i="0" spc="0" strike="noStrike" sz="2000" u="none">
+        <a:defRPr b="0" baseline="0" cap="none" i="0" spc="0" strike="noStrike" sz="1800" u="none">
           <a:solidFill>
             <a:srgbClr val="38414C"/>
           </a:solidFill>
@@ -2445,7 +2409,7 @@
           <a:sym typeface="Merriweather"/>
         </a:defRPr>
       </a:lvl1pPr>
-      <a:lvl2pPr marL="914400" marR="0" indent="-355600" algn="l" defTabSz="914400" rtl="0" latinLnBrk="0">
+      <a:lvl2pPr marL="914400" marR="0" indent="-342900" algn="l" defTabSz="914400" rtl="0" latinLnBrk="0">
         <a:lnSpc>
           <a:spcPct val="115000"/>
         </a:lnSpc>
@@ -2458,11 +2422,11 @@
         <a:buClr>
           <a:schemeClr val="accent4"/>
         </a:buClr>
-        <a:buSzPts val="2000"/>
+        <a:buSzPts val="1800"/>
         <a:buFont typeface="Helvetica Neue"/>
         <a:buChar char="○"/>
         <a:tabLst/>
-        <a:defRPr b="0" baseline="0" cap="none" i="0" spc="0" strike="noStrike" sz="2000" u="none">
+        <a:defRPr b="0" baseline="0" cap="none" i="0" spc="0" strike="noStrike" sz="1800" u="none">
           <a:solidFill>
             <a:srgbClr val="38414C"/>
           </a:solidFill>
@@ -2473,7 +2437,7 @@
           <a:sym typeface="Merriweather"/>
         </a:defRPr>
       </a:lvl2pPr>
-      <a:lvl3pPr marL="1371600" marR="0" indent="-355600" algn="l" defTabSz="914400" rtl="0" latinLnBrk="0">
+      <a:lvl3pPr marL="1371600" marR="0" indent="-342900" algn="l" defTabSz="914400" rtl="0" latinLnBrk="0">
         <a:lnSpc>
           <a:spcPct val="115000"/>
         </a:lnSpc>
@@ -2486,11 +2450,11 @@
         <a:buClr>
           <a:schemeClr val="accent4"/>
         </a:buClr>
-        <a:buSzPts val="2000"/>
+        <a:buSzPts val="1800"/>
         <a:buFont typeface="Helvetica Neue"/>
         <a:buChar char="■"/>
         <a:tabLst/>
-        <a:defRPr b="0" baseline="0" cap="none" i="0" spc="0" strike="noStrike" sz="2000" u="none">
+        <a:defRPr b="0" baseline="0" cap="none" i="0" spc="0" strike="noStrike" sz="1800" u="none">
           <a:solidFill>
             <a:srgbClr val="38414C"/>
           </a:solidFill>
@@ -2501,7 +2465,7 @@
           <a:sym typeface="Merriweather"/>
         </a:defRPr>
       </a:lvl3pPr>
-      <a:lvl4pPr marL="1828800" marR="0" indent="-355600" algn="l" defTabSz="914400" rtl="0" latinLnBrk="0">
+      <a:lvl4pPr marL="1828800" marR="0" indent="-342900" algn="l" defTabSz="914400" rtl="0" latinLnBrk="0">
         <a:lnSpc>
           <a:spcPct val="115000"/>
         </a:lnSpc>
@@ -2514,11 +2478,11 @@
         <a:buClr>
           <a:schemeClr val="accent4"/>
         </a:buClr>
-        <a:buSzPts val="2000"/>
+        <a:buSzPts val="1800"/>
         <a:buFont typeface="Helvetica Neue"/>
         <a:buChar char="●"/>
         <a:tabLst/>
-        <a:defRPr b="0" baseline="0" cap="none" i="0" spc="0" strike="noStrike" sz="2000" u="none">
+        <a:defRPr b="0" baseline="0" cap="none" i="0" spc="0" strike="noStrike" sz="1800" u="none">
           <a:solidFill>
             <a:srgbClr val="38414C"/>
           </a:solidFill>
@@ -2529,7 +2493,7 @@
           <a:sym typeface="Merriweather"/>
         </a:defRPr>
       </a:lvl4pPr>
-      <a:lvl5pPr marL="2286000" marR="0" indent="-355600" algn="l" defTabSz="914400" rtl="0" latinLnBrk="0">
+      <a:lvl5pPr marL="2286000" marR="0" indent="-342900" algn="l" defTabSz="914400" rtl="0" latinLnBrk="0">
         <a:lnSpc>
           <a:spcPct val="115000"/>
         </a:lnSpc>
@@ -2542,11 +2506,11 @@
         <a:buClr>
           <a:schemeClr val="accent4"/>
         </a:buClr>
-        <a:buSzPts val="2000"/>
+        <a:buSzPts val="1800"/>
         <a:buFont typeface="Helvetica Neue"/>
         <a:buChar char="○"/>
         <a:tabLst/>
-        <a:defRPr b="0" baseline="0" cap="none" i="0" spc="0" strike="noStrike" sz="2000" u="none">
+        <a:defRPr b="0" baseline="0" cap="none" i="0" spc="0" strike="noStrike" sz="1800" u="none">
           <a:solidFill>
             <a:srgbClr val="38414C"/>
           </a:solidFill>
@@ -2557,7 +2521,7 @@
           <a:sym typeface="Merriweather"/>
         </a:defRPr>
       </a:lvl5pPr>
-      <a:lvl6pPr marL="2743200" marR="0" indent="-355600" algn="l" defTabSz="914400" rtl="0" latinLnBrk="0">
+      <a:lvl6pPr marL="2707639" marR="0" indent="-320039" algn="l" defTabSz="914400" rtl="0" latinLnBrk="0">
         <a:lnSpc>
           <a:spcPct val="115000"/>
         </a:lnSpc>
@@ -2570,11 +2534,11 @@
         <a:buClr>
           <a:schemeClr val="accent4"/>
         </a:buClr>
-        <a:buSzPts val="2000"/>
+        <a:buSzPts val="1800"/>
         <a:buFont typeface="Helvetica Neue"/>
         <a:buChar char="■"/>
         <a:tabLst/>
-        <a:defRPr b="0" baseline="0" cap="none" i="0" spc="0" strike="noStrike" sz="2000" u="none">
+        <a:defRPr b="0" baseline="0" cap="none" i="0" spc="0" strike="noStrike" sz="1800" u="none">
           <a:solidFill>
             <a:srgbClr val="38414C"/>
           </a:solidFill>
@@ -2585,7 +2549,7 @@
           <a:sym typeface="Merriweather"/>
         </a:defRPr>
       </a:lvl6pPr>
-      <a:lvl7pPr marL="3200400" marR="0" indent="-355600" algn="l" defTabSz="914400" rtl="0" latinLnBrk="0">
+      <a:lvl7pPr marL="3164839" marR="0" indent="-320039" algn="l" defTabSz="914400" rtl="0" latinLnBrk="0">
         <a:lnSpc>
           <a:spcPct val="115000"/>
         </a:lnSpc>
@@ -2598,11 +2562,11 @@
         <a:buClr>
           <a:schemeClr val="accent4"/>
         </a:buClr>
-        <a:buSzPts val="2000"/>
+        <a:buSzPts val="1800"/>
         <a:buFont typeface="Helvetica Neue"/>
         <a:buChar char="●"/>
         <a:tabLst/>
-        <a:defRPr b="0" baseline="0" cap="none" i="0" spc="0" strike="noStrike" sz="2000" u="none">
+        <a:defRPr b="0" baseline="0" cap="none" i="0" spc="0" strike="noStrike" sz="1800" u="none">
           <a:solidFill>
             <a:srgbClr val="38414C"/>
           </a:solidFill>
@@ -2613,7 +2577,7 @@
           <a:sym typeface="Merriweather"/>
         </a:defRPr>
       </a:lvl7pPr>
-      <a:lvl8pPr marL="3657600" marR="0" indent="-355600" algn="l" defTabSz="914400" rtl="0" latinLnBrk="0">
+      <a:lvl8pPr marL="3622040" marR="0" indent="-320040" algn="l" defTabSz="914400" rtl="0" latinLnBrk="0">
         <a:lnSpc>
           <a:spcPct val="115000"/>
         </a:lnSpc>
@@ -2626,11 +2590,11 @@
         <a:buClr>
           <a:schemeClr val="accent4"/>
         </a:buClr>
-        <a:buSzPts val="2000"/>
+        <a:buSzPts val="1800"/>
         <a:buFont typeface="Helvetica Neue"/>
         <a:buChar char="○"/>
         <a:tabLst/>
-        <a:defRPr b="0" baseline="0" cap="none" i="0" spc="0" strike="noStrike" sz="2000" u="none">
+        <a:defRPr b="0" baseline="0" cap="none" i="0" spc="0" strike="noStrike" sz="1800" u="none">
           <a:solidFill>
             <a:srgbClr val="38414C"/>
           </a:solidFill>
@@ -2641,7 +2605,7 @@
           <a:sym typeface="Merriweather"/>
         </a:defRPr>
       </a:lvl8pPr>
-      <a:lvl9pPr marL="4114800" marR="0" indent="-355600" algn="l" defTabSz="914400" rtl="0" latinLnBrk="0">
+      <a:lvl9pPr marL="4079240" marR="0" indent="-320040" algn="l" defTabSz="914400" rtl="0" latinLnBrk="0">
         <a:lnSpc>
           <a:spcPct val="115000"/>
         </a:lnSpc>
@@ -2654,11 +2618,11 @@
         <a:buClr>
           <a:schemeClr val="accent4"/>
         </a:buClr>
-        <a:buSzPts val="2000"/>
+        <a:buSzPts val="1800"/>
         <a:buFont typeface="Helvetica Neue"/>
         <a:buChar char="■"/>
         <a:tabLst/>
-        <a:defRPr b="0" baseline="0" cap="none" i="0" spc="0" strike="noStrike" sz="2000" u="none">
+        <a:defRPr b="0" baseline="0" cap="none" i="0" spc="0" strike="noStrike" sz="1800" u="none">
           <a:solidFill>
             <a:srgbClr val="38414C"/>
           </a:solidFill>
@@ -2937,8 +2901,8 @@
         </p:nvSpPr>
         <p:spPr>
           <a:xfrm>
-            <a:off x="4308199" y="1991823"/>
-            <a:ext cx="4226102" cy="1159802"/>
+            <a:off x="4308198" y="1991823"/>
+            <a:ext cx="4226104" cy="1159802"/>
           </a:xfrm>
           <a:prstGeom prst="rect">
             <a:avLst/>
@@ -2955,6 +2919,48 @@
             <a:pPr/>
             <a:r>
               <a:t>Does Singapore’s weather affect the number of Typhoid cases?</a:t>
+            </a:r>
+          </a:p>
+        </p:txBody>
+      </p:sp>
+      <p:sp>
+        <p:nvSpPr>
+          <p:cNvPr id="102" name="Lin Li Cheng…"/>
+          <p:cNvSpPr txBox="1"/>
+          <p:nvPr/>
+        </p:nvSpPr>
+        <p:spPr>
+          <a:xfrm>
+            <a:off x="7856407" y="4528865"/>
+            <a:ext cx="1011090" cy="431801"/>
+          </a:xfrm>
+          <a:prstGeom prst="rect">
+            <a:avLst/>
+          </a:prstGeom>
+          <a:ln w="12700">
+            <a:miter lim="400000"/>
+          </a:ln>
+          <a:extLst>
+            <a:ext uri="{C572A759-6A51-4108-AA02-DFA0A04FC94B}">
+              <ma14:wrappingTextBoxFlag xmlns:ma14="http://schemas.microsoft.com/office/mac/drawingml/2011/main" val="1"/>
+            </a:ext>
+          </a:extLst>
+        </p:spPr>
+        <p:txBody>
+          <a:bodyPr wrap="none" lIns="0" tIns="0" rIns="0" bIns="0">
+            <a:spAutoFit/>
+          </a:bodyPr>
+          <a:lstStyle/>
+          <a:p>
+            <a:pPr/>
+            <a:r>
+              <a:t>Lin Li Cheng</a:t>
+            </a:r>
+          </a:p>
+          <a:p>
+            <a:pPr/>
+            <a:r>
+              <a:t>DSI 39</a:t>
             </a:r>
           </a:p>
         </p:txBody>
@@ -2987,7 +2993,7 @@
       </p:grpSpPr>
       <p:sp>
         <p:nvSpPr>
-          <p:cNvPr id="182" name="Google Shape;159;g23f11c34dc7_0_543"/>
+          <p:cNvPr id="183" name="Google Shape;159;g23f11c34dc7_0_543"/>
           <p:cNvSpPr txBox="1"/>
           <p:nvPr>
             <p:ph type="title"/>
@@ -2995,8 +3001,8 @@
         </p:nvSpPr>
         <p:spPr>
           <a:xfrm>
-            <a:off x="2631123" y="219900"/>
-            <a:ext cx="5832602" cy="857400"/>
+            <a:off x="2631122" y="219900"/>
+            <a:ext cx="5832603" cy="857400"/>
           </a:xfrm>
           <a:prstGeom prst="rect">
             <a:avLst/>
@@ -3015,14 +3021,14 @@
       </p:sp>
       <p:sp>
         <p:nvSpPr>
-          <p:cNvPr id="183" name="Google Shape;160;g23f11c34dc7_0_543"/>
+          <p:cNvPr id="184" name="Google Shape;160;g23f11c34dc7_0_543"/>
           <p:cNvSpPr txBox="1"/>
           <p:nvPr/>
         </p:nvSpPr>
         <p:spPr>
           <a:xfrm>
             <a:off x="2681949" y="1337400"/>
-            <a:ext cx="6106502" cy="2259000"/>
+            <a:ext cx="6106503" cy="2259000"/>
           </a:xfrm>
           <a:prstGeom prst="rect">
             <a:avLst/>
@@ -3057,8 +3063,13 @@
               <a:buChar char="●"/>
               <a:defRPr b="1" sz="1000" u="sng">
                 <a:solidFill>
-                  <a:srgbClr val="296EAA"/>
+                  <a:srgbClr val="0000FF"/>
                 </a:solidFill>
+                <a:uFill>
+                  <a:solidFill>
+                    <a:srgbClr val="0000FF"/>
+                  </a:solidFill>
+                </a:uFill>
                 <a:latin typeface="Helvetica Neue"/>
                 <a:ea typeface="Helvetica Neue"/>
                 <a:cs typeface="Helvetica Neue"/>
@@ -3067,14 +3078,6 @@
             </a:pPr>
             <a:r>
               <a:rPr>
-                <a:solidFill>
-                  <a:srgbClr val="0000FF"/>
-                </a:solidFill>
-                <a:uFill>
-                  <a:solidFill>
-                    <a:srgbClr val="0000FF"/>
-                  </a:solidFill>
-                </a:uFill>
                 <a:hlinkClick r:id="rId2" invalidUrl="" action="" tgtFrame="" tooltip="" history="1" highlightClick="0" endSnd="0"/>
               </a:rPr>
               <a:t>https://eresources.nlb.gov.sg/infopedia/articles/SIP_2022-08-19_132436.html#:~:text=Subsequently%20from%201990%20to%202009,had%20no%20recent%20travel%20history</a:t>
@@ -3084,6 +3087,7 @@
                 <a:solidFill>
                   <a:srgbClr val="000000"/>
                 </a:solidFill>
+                <a:uFillTx/>
               </a:rPr>
               <a:t>.</a:t>
             </a:r>
@@ -3106,8 +3110,13 @@
               <a:buChar char="●"/>
               <a:defRPr b="1" sz="1000" u="sng">
                 <a:solidFill>
-                  <a:srgbClr val="296EAA"/>
+                  <a:srgbClr val="0000FF"/>
                 </a:solidFill>
+                <a:uFill>
+                  <a:solidFill>
+                    <a:srgbClr val="0000FF"/>
+                  </a:solidFill>
+                </a:uFill>
                 <a:latin typeface="Helvetica Neue"/>
                 <a:ea typeface="Helvetica Neue"/>
                 <a:cs typeface="Helvetica Neue"/>
@@ -3116,18 +3125,15 @@
             </a:pPr>
             <a:r>
               <a:rPr>
-                <a:solidFill>
-                  <a:srgbClr val="0000FF"/>
-                </a:solidFill>
-                <a:uFill>
-                  <a:solidFill>
-                    <a:srgbClr val="0000FF"/>
-                  </a:solidFill>
-                </a:uFill>
                 <a:hlinkClick r:id="rId3" invalidUrl="" action="" tgtFrame="" tooltip="" history="1" highlightClick="0" endSnd="0"/>
               </a:rPr>
               <a:t>https://my.clevelandclinic.org/health/diseases/17730-typhoid-fever</a:t>
             </a:r>
+            <a:endParaRPr>
+              <a:solidFill>
+                <a:srgbClr val="296EAA"/>
+              </a:solidFill>
+            </a:endParaRPr>
           </a:p>
           <a:p>
             <a:pPr marL="457200" indent="-295275">
@@ -3142,8 +3148,13 @@
               <a:buChar char="●"/>
               <a:defRPr b="1" sz="1000" u="sng">
                 <a:solidFill>
-                  <a:srgbClr val="296EAA"/>
+                  <a:srgbClr val="0000FF"/>
                 </a:solidFill>
+                <a:uFill>
+                  <a:solidFill>
+                    <a:srgbClr val="0000FF"/>
+                  </a:solidFill>
+                </a:uFill>
                 <a:latin typeface="Helvetica Neue"/>
                 <a:ea typeface="Helvetica Neue"/>
                 <a:cs typeface="Helvetica Neue"/>
@@ -3152,18 +3163,15 @@
             </a:pPr>
             <a:r>
               <a:rPr>
-                <a:solidFill>
-                  <a:srgbClr val="0000FF"/>
-                </a:solidFill>
-                <a:uFill>
-                  <a:solidFill>
-                    <a:srgbClr val="0000FF"/>
-                  </a:solidFill>
-                </a:uFill>
                 <a:hlinkClick r:id="rId4" invalidUrl="" action="" tgtFrame="" tooltip="" history="1" highlightClick="0" endSnd="0"/>
               </a:rPr>
               <a:t>https://www.nhgp.com.sg/our-services/other-services/Pages/Vaccination-Clinic.aspx</a:t>
             </a:r>
+            <a:endParaRPr>
+              <a:solidFill>
+                <a:srgbClr val="296EAA"/>
+              </a:solidFill>
+            </a:endParaRPr>
           </a:p>
           <a:p>
             <a:pPr marL="457200" indent="-295275">
@@ -3178,8 +3186,13 @@
               <a:buChar char="●"/>
               <a:defRPr b="1" sz="1000" u="sng">
                 <a:solidFill>
-                  <a:srgbClr val="296EAA"/>
+                  <a:srgbClr val="0000FF"/>
                 </a:solidFill>
+                <a:uFill>
+                  <a:solidFill>
+                    <a:srgbClr val="0000FF"/>
+                  </a:solidFill>
+                </a:uFill>
                 <a:latin typeface="Helvetica Neue"/>
                 <a:ea typeface="Helvetica Neue"/>
                 <a:cs typeface="Helvetica Neue"/>
@@ -3188,18 +3201,15 @@
             </a:pPr>
             <a:r>
               <a:rPr>
-                <a:solidFill>
-                  <a:srgbClr val="0000FF"/>
-                </a:solidFill>
-                <a:uFill>
-                  <a:solidFill>
-                    <a:srgbClr val="0000FF"/>
-                  </a:solidFill>
-                </a:uFill>
                 <a:hlinkClick r:id="rId5" invalidUrl="" action="" tgtFrame="" tooltip="" history="1" highlightClick="0" endSnd="0"/>
               </a:rPr>
               <a:t>https://www.gavi.org/vaccineswork/global-response-needed-typhoid-evades-antibiotics</a:t>
             </a:r>
+            <a:endParaRPr>
+              <a:solidFill>
+                <a:srgbClr val="296EAA"/>
+              </a:solidFill>
+            </a:endParaRPr>
           </a:p>
           <a:p>
             <a:pPr marL="457200" indent="-295275">
@@ -3253,51 +3263,22 @@
               <a:spcBef>
                 <a:spcPts val="1100"/>
               </a:spcBef>
-              <a:defRPr>
+              <a:defRPr b="1" sz="1000" u="sng">
                 <a:solidFill>
-                  <a:srgbClr val="000000"/>
+                  <a:srgbClr val="296EAA"/>
                 </a:solidFill>
+                <a:latin typeface="Helvetica Neue"/>
+                <a:ea typeface="Helvetica Neue"/>
+                <a:cs typeface="Helvetica Neue"/>
+                <a:sym typeface="Helvetica Neue"/>
               </a:defRPr>
             </a:pPr>
-            <a:endParaRPr b="1" sz="1000" u="sng">
-              <a:solidFill>
-                <a:srgbClr val="296EAA"/>
-              </a:solidFill>
-              <a:latin typeface="Helvetica Neue"/>
-              <a:ea typeface="Helvetica Neue"/>
-              <a:cs typeface="Helvetica Neue"/>
-              <a:sym typeface="Helvetica Neue"/>
-            </a:endParaRPr>
-          </a:p>
-          <a:p>
-            <a:pPr>
-              <a:lnSpc>
-                <a:spcPct val="115000"/>
-              </a:lnSpc>
-              <a:spcBef>
-                <a:spcPts val="1100"/>
-              </a:spcBef>
-              <a:defRPr>
-                <a:solidFill>
-                  <a:srgbClr val="000000"/>
-                </a:solidFill>
-              </a:defRPr>
-            </a:pPr>
-            <a:endParaRPr b="1" sz="1000" u="sng">
-              <a:solidFill>
-                <a:srgbClr val="296EAA"/>
-              </a:solidFill>
-              <a:latin typeface="Helvetica Neue"/>
-              <a:ea typeface="Helvetica Neue"/>
-              <a:cs typeface="Helvetica Neue"/>
-              <a:sym typeface="Helvetica Neue"/>
-            </a:endParaRPr>
           </a:p>
         </p:txBody>
       </p:sp>
       <p:sp>
         <p:nvSpPr>
-          <p:cNvPr id="184" name="Google Shape;161;g23f11c34dc7_0_543"/>
+          <p:cNvPr id="185" name="Google Shape;161;g23f11c34dc7_0_543"/>
           <p:cNvSpPr txBox="1"/>
           <p:nvPr>
             <p:ph type="sldNum" sz="quarter" idx="4294967295"/>
@@ -3305,7 +3286,7 @@
         </p:nvSpPr>
         <p:spPr>
           <a:xfrm>
-            <a:off x="152391" y="4843549"/>
+            <a:off x="152391" y="4843548"/>
             <a:ext cx="196342" cy="203201"/>
           </a:xfrm>
           <a:prstGeom prst="rect">
@@ -3365,7 +3346,7 @@
       </p:grpSpPr>
       <p:sp>
         <p:nvSpPr>
-          <p:cNvPr id="186" name="Google Shape;166;p6"/>
+          <p:cNvPr id="187" name="Google Shape;166;p6"/>
           <p:cNvSpPr txBox="1"/>
           <p:nvPr>
             <p:ph type="title"/>
@@ -3373,8 +3354,8 @@
         </p:nvSpPr>
         <p:spPr>
           <a:xfrm>
-            <a:off x="4308199" y="1735750"/>
-            <a:ext cx="4150202" cy="1159802"/>
+            <a:off x="4308198" y="1735750"/>
+            <a:ext cx="4150204" cy="1159803"/>
           </a:xfrm>
           <a:prstGeom prst="rect">
             <a:avLst/>
@@ -3397,7 +3378,7 @@
       </p:sp>
       <p:sp>
         <p:nvSpPr>
-          <p:cNvPr id="187" name="Google Shape;167;p6"/>
+          <p:cNvPr id="188" name="Google Shape;167;p6"/>
           <p:cNvSpPr txBox="1"/>
           <p:nvPr>
             <p:ph type="body" sz="quarter" idx="1"/>
@@ -3406,7 +3387,7 @@
         <p:spPr>
           <a:xfrm>
             <a:off x="4308199" y="2992450"/>
-            <a:ext cx="4568401" cy="784801"/>
+            <a:ext cx="4568402" cy="784802"/>
           </a:xfrm>
           <a:prstGeom prst="rect">
             <a:avLst/>
@@ -3416,21 +3397,20 @@
           <a:bodyPr/>
           <a:lstStyle/>
           <a:p>
-            <a:pPr marL="0">
-              <a:defRPr sz="1800"/>
+            <a:pPr indent="0">
+              <a:defRPr sz="900">
+                <a:solidFill>
+                  <a:schemeClr val="accent1"/>
+                </a:solidFill>
+                <a:latin typeface="Kalam"/>
+                <a:ea typeface="Kalam"/>
+                <a:cs typeface="Kalam"/>
+                <a:sym typeface="Kalam"/>
+              </a:defRPr>
             </a:pPr>
-            <a:endParaRPr sz="900">
-              <a:solidFill>
-                <a:schemeClr val="accent1"/>
-              </a:solidFill>
-              <a:latin typeface="Kalam"/>
-              <a:ea typeface="Kalam"/>
-              <a:cs typeface="Kalam"/>
-              <a:sym typeface="Kalam"/>
-            </a:endParaRPr>
           </a:p>
           <a:p>
-            <a:pPr marL="0">
+            <a:pPr indent="0">
               <a:defRPr sz="800">
                 <a:solidFill>
                   <a:schemeClr val="accent1"/>
@@ -3503,7 +3483,7 @@
       </p:grpSpPr>
       <p:sp>
         <p:nvSpPr>
-          <p:cNvPr id="103" name="Google Shape;56;p2"/>
+          <p:cNvPr id="104" name="Google Shape;56;p2"/>
           <p:cNvSpPr txBox="1"/>
           <p:nvPr>
             <p:ph type="title"/>
@@ -3512,7 +3492,7 @@
         <p:spPr>
           <a:xfrm>
             <a:off x="2854148" y="205975"/>
-            <a:ext cx="5832604" cy="857400"/>
+            <a:ext cx="5832605" cy="857400"/>
           </a:xfrm>
           <a:prstGeom prst="rect">
             <a:avLst/>
@@ -3531,7 +3511,7 @@
       </p:sp>
       <p:sp>
         <p:nvSpPr>
-          <p:cNvPr id="104" name="Google Shape;57;p2"/>
+          <p:cNvPr id="105" name="Google Shape;57;p2"/>
           <p:cNvSpPr txBox="1"/>
           <p:nvPr>
             <p:ph type="sldNum" sz="quarter" idx="4294967295"/>
@@ -3562,14 +3542,14 @@
       </p:sp>
       <p:sp>
         <p:nvSpPr>
-          <p:cNvPr id="105" name="Google Shape;58;p2"/>
+          <p:cNvPr id="106" name="Google Shape;58;p2"/>
           <p:cNvSpPr txBox="1"/>
           <p:nvPr/>
         </p:nvSpPr>
         <p:spPr>
           <a:xfrm>
-            <a:off x="2906274" y="1333125"/>
-            <a:ext cx="5742902" cy="2214851"/>
+            <a:off x="2906273" y="1333124"/>
+            <a:ext cx="5742904" cy="2214849"/>
           </a:xfrm>
           <a:prstGeom prst="rect">
             <a:avLst/>
@@ -3584,7 +3564,7 @@
           </a:extLst>
         </p:spPr>
         <p:txBody>
-          <a:bodyPr lIns="91424" tIns="91424" rIns="91424" bIns="91424">
+          <a:bodyPr lIns="91423" tIns="91423" rIns="91423" bIns="91423">
             <a:spAutoFit/>
           </a:bodyPr>
           <a:lstStyle/>
@@ -3606,18 +3586,16 @@
           </a:p>
           <a:p>
             <a:pPr>
-              <a:defRPr>
+              <a:defRPr sz="1300">
                 <a:solidFill>
                   <a:srgbClr val="000000"/>
                 </a:solidFill>
+                <a:latin typeface="Merriweather"/>
+                <a:ea typeface="Merriweather"/>
+                <a:cs typeface="Merriweather"/>
+                <a:sym typeface="Merriweather"/>
               </a:defRPr>
             </a:pPr>
-            <a:endParaRPr sz="1300">
-              <a:latin typeface="Merriweather"/>
-              <a:ea typeface="Merriweather"/>
-              <a:cs typeface="Merriweather"/>
-              <a:sym typeface="Merriweather"/>
-            </a:endParaRPr>
           </a:p>
           <a:p>
             <a:pPr>
@@ -3637,18 +3615,16 @@
           </a:p>
           <a:p>
             <a:pPr>
-              <a:defRPr>
+              <a:defRPr sz="1300">
                 <a:solidFill>
                   <a:srgbClr val="000000"/>
                 </a:solidFill>
+                <a:latin typeface="Merriweather"/>
+                <a:ea typeface="Merriweather"/>
+                <a:cs typeface="Merriweather"/>
+                <a:sym typeface="Merriweather"/>
               </a:defRPr>
             </a:pPr>
-            <a:endParaRPr sz="1300">
-              <a:latin typeface="Merriweather"/>
-              <a:ea typeface="Merriweather"/>
-              <a:cs typeface="Merriweather"/>
-              <a:sym typeface="Merriweather"/>
-            </a:endParaRPr>
           </a:p>
           <a:p>
             <a:pPr>
@@ -3722,7 +3698,7 @@
       </p:grpSpPr>
       <p:sp>
         <p:nvSpPr>
-          <p:cNvPr id="107" name="Google Shape;63;p3"/>
+          <p:cNvPr id="108" name="Google Shape;63;p3"/>
           <p:cNvSpPr txBox="1"/>
           <p:nvPr>
             <p:ph type="body" sz="quarter" idx="4294967295"/>
@@ -3731,21 +3707,19 @@
         <p:spPr>
           <a:xfrm>
             <a:off x="208149" y="243599"/>
-            <a:ext cx="8521501" cy="784802"/>
+            <a:ext cx="8521501" cy="784803"/>
           </a:xfrm>
           <a:prstGeom prst="rect">
             <a:avLst/>
           </a:prstGeom>
         </p:spPr>
         <p:txBody>
-          <a:bodyPr>
-            <a:normAutofit fontScale="100000" lnSpcReduction="0"/>
-          </a:bodyPr>
+          <a:bodyPr/>
           <a:lstStyle>
             <a:lvl1pPr marL="0" indent="0" algn="ctr">
               <a:buSzTx/>
               <a:buNone/>
-              <a:defRPr sz="1800">
+              <a:defRPr>
                 <a:solidFill>
                   <a:srgbClr val="000000"/>
                 </a:solidFill>
@@ -3762,7 +3736,7 @@
       </p:sp>
       <p:sp>
         <p:nvSpPr>
-          <p:cNvPr id="108" name="Google Shape;64;p3"/>
+          <p:cNvPr id="109" name="Google Shape;64;p3"/>
           <p:cNvSpPr txBox="1"/>
           <p:nvPr>
             <p:ph type="sldNum" sz="quarter" idx="4294967295"/>
@@ -3793,28 +3767,28 @@
       </p:sp>
       <p:grpSp>
         <p:nvGrpSpPr>
-          <p:cNvPr id="116" name="Google Shape;65;p3"/>
+          <p:cNvPr id="117" name="Google Shape;65;p3"/>
           <p:cNvGrpSpPr/>
           <p:nvPr/>
         </p:nvGrpSpPr>
         <p:grpSpPr>
           <a:xfrm>
-            <a:off x="575445" y="1369514"/>
-            <a:ext cx="2198449" cy="2201762"/>
-            <a:chOff x="0" y="0"/>
-            <a:chExt cx="2198447" cy="2201760"/>
+            <a:off x="575443" y="1369513"/>
+            <a:ext cx="2198454" cy="2201765"/>
+            <a:chOff x="-1" y="0"/>
+            <a:chExt cx="2198452" cy="2201764"/>
           </a:xfrm>
         </p:grpSpPr>
         <p:sp>
           <p:nvSpPr>
-            <p:cNvPr id="109" name="Google Shape;66;p3"/>
+            <p:cNvPr id="110" name="Google Shape;66;p3"/>
             <p:cNvSpPr/>
             <p:nvPr/>
           </p:nvSpPr>
           <p:spPr>
             <a:xfrm>
-              <a:off x="-1" y="-1"/>
-              <a:ext cx="2198450" cy="1369280"/>
+              <a:off x="-2" y="-1"/>
+              <a:ext cx="2198453" cy="1369282"/>
             </a:xfrm>
             <a:custGeom>
               <a:avLst/>
@@ -5737,6 +5711,10 @@
                   <a:solidFill>
                     <a:srgbClr val="000000"/>
                   </a:solidFill>
+                  <a:latin typeface="+mj-lt"/>
+                  <a:ea typeface="+mj-ea"/>
+                  <a:cs typeface="+mj-cs"/>
+                  <a:sym typeface="Arial"/>
                 </a:defRPr>
               </a:pPr>
             </a:p>
@@ -5744,14 +5722,14 @@
         </p:sp>
         <p:sp>
           <p:nvSpPr>
-            <p:cNvPr id="110" name="Google Shape;67;p3"/>
+            <p:cNvPr id="111" name="Google Shape;67;p3"/>
             <p:cNvSpPr/>
             <p:nvPr/>
           </p:nvSpPr>
           <p:spPr>
             <a:xfrm rot="20149514">
-              <a:off x="511539" y="1521744"/>
-              <a:ext cx="73991" cy="285903"/>
+              <a:off x="511539" y="1521745"/>
+              <a:ext cx="73993" cy="285905"/>
             </a:xfrm>
             <a:prstGeom prst="ellipse">
               <a:avLst/>
@@ -5787,14 +5765,14 @@
         </p:sp>
         <p:sp>
           <p:nvSpPr>
-            <p:cNvPr id="111" name="Google Shape;68;p3"/>
+            <p:cNvPr id="112" name="Google Shape;68;p3"/>
             <p:cNvSpPr/>
             <p:nvPr/>
           </p:nvSpPr>
           <p:spPr>
             <a:xfrm rot="20149514">
-              <a:off x="761639" y="1813044"/>
-              <a:ext cx="73991" cy="285903"/>
+              <a:off x="761639" y="1813045"/>
+              <a:ext cx="73993" cy="285905"/>
             </a:xfrm>
             <a:prstGeom prst="ellipse">
               <a:avLst/>
@@ -5830,14 +5808,14 @@
         </p:sp>
         <p:sp>
           <p:nvSpPr>
-            <p:cNvPr id="112" name="Google Shape;69;p3"/>
+            <p:cNvPr id="113" name="Google Shape;69;p3"/>
             <p:cNvSpPr/>
             <p:nvPr/>
           </p:nvSpPr>
           <p:spPr>
             <a:xfrm rot="20149514">
-              <a:off x="848139" y="1545744"/>
-              <a:ext cx="73991" cy="285903"/>
+              <a:off x="848139" y="1545745"/>
+              <a:ext cx="73993" cy="285905"/>
             </a:xfrm>
             <a:prstGeom prst="ellipse">
               <a:avLst/>
@@ -5873,14 +5851,14 @@
         </p:sp>
         <p:sp>
           <p:nvSpPr>
-            <p:cNvPr id="113" name="Google Shape;70;p3"/>
+            <p:cNvPr id="114" name="Google Shape;70;p3"/>
             <p:cNvSpPr/>
             <p:nvPr/>
           </p:nvSpPr>
           <p:spPr>
             <a:xfrm rot="20149514">
-              <a:off x="1121139" y="1621944"/>
-              <a:ext cx="73991" cy="285903"/>
+              <a:off x="1121140" y="1621945"/>
+              <a:ext cx="73993" cy="285905"/>
             </a:xfrm>
             <a:prstGeom prst="ellipse">
               <a:avLst/>
@@ -5916,14 +5894,14 @@
         </p:sp>
         <p:sp>
           <p:nvSpPr>
-            <p:cNvPr id="114" name="Google Shape;71;p3"/>
+            <p:cNvPr id="115" name="Google Shape;71;p3"/>
             <p:cNvSpPr/>
             <p:nvPr/>
           </p:nvSpPr>
           <p:spPr>
             <a:xfrm rot="20149514">
-              <a:off x="1480639" y="1621944"/>
-              <a:ext cx="73991" cy="285903"/>
+              <a:off x="1480640" y="1621945"/>
+              <a:ext cx="73993" cy="285905"/>
             </a:xfrm>
             <a:prstGeom prst="ellipse">
               <a:avLst/>
@@ -5959,14 +5937,14 @@
         </p:sp>
         <p:sp>
           <p:nvSpPr>
-            <p:cNvPr id="115" name="Google Shape;72;p3"/>
+            <p:cNvPr id="116" name="Google Shape;72;p3"/>
             <p:cNvSpPr/>
             <p:nvPr/>
           </p:nvSpPr>
           <p:spPr>
             <a:xfrm rot="20149514">
-              <a:off x="1365714" y="1913244"/>
-              <a:ext cx="73991" cy="285903"/>
+              <a:off x="1365715" y="1913245"/>
+              <a:ext cx="73993" cy="285905"/>
             </a:xfrm>
             <a:prstGeom prst="ellipse">
               <a:avLst/>
@@ -6003,7 +5981,7 @@
       </p:grpSp>
       <p:sp>
         <p:nvSpPr>
-          <p:cNvPr id="117" name="Google Shape;73;p3"/>
+          <p:cNvPr id="118" name="Google Shape;73;p3"/>
           <p:cNvSpPr txBox="1"/>
           <p:nvPr>
             <p:ph type="title" idx="4294967295"/>
@@ -6011,21 +5989,19 @@
         </p:nvSpPr>
         <p:spPr>
           <a:xfrm>
-            <a:off x="299324" y="1692687"/>
-            <a:ext cx="2750702" cy="1159801"/>
+            <a:off x="299323" y="1692686"/>
+            <a:ext cx="2750704" cy="1159802"/>
           </a:xfrm>
           <a:prstGeom prst="rect">
             <a:avLst/>
           </a:prstGeom>
         </p:spPr>
         <p:txBody>
-          <a:bodyPr>
-            <a:normAutofit fontScale="100000" lnSpcReduction="0"/>
-          </a:bodyPr>
+          <a:bodyPr/>
           <a:lstStyle/>
           <a:p>
             <a:pPr algn="ctr" defTabSz="694944">
-              <a:defRPr sz="2128">
+              <a:defRPr sz="2100">
                 <a:solidFill>
                   <a:srgbClr val="000000"/>
                 </a:solidFill>
@@ -6038,11 +6014,11 @@
             <a:r>
               <a:t>Total rainfall </a:t>
             </a:r>
-            <a:endParaRPr sz="2432"/>
+            <a:endParaRPr sz="2400"/>
           </a:p>
           <a:p>
             <a:pPr algn="ctr" defTabSz="694944">
-              <a:defRPr sz="2128">
+              <a:defRPr sz="2100">
                 <a:solidFill>
                   <a:srgbClr val="000000"/>
                 </a:solidFill>
@@ -6055,11 +6031,11 @@
             <a:r>
               <a:t>of 2207.2 mm </a:t>
             </a:r>
-            <a:endParaRPr sz="2432"/>
+            <a:endParaRPr sz="2400"/>
           </a:p>
           <a:p>
             <a:pPr algn="ctr" defTabSz="694944">
-              <a:defRPr sz="2128">
+              <a:defRPr sz="2100">
                 <a:solidFill>
                   <a:srgbClr val="000000"/>
                 </a:solidFill>
@@ -6077,14 +6053,14 @@
       </p:sp>
       <p:sp>
         <p:nvSpPr>
-          <p:cNvPr id="118" name="Google Shape;74;p3"/>
+          <p:cNvPr id="119" name="Google Shape;74;p3"/>
           <p:cNvSpPr txBox="1"/>
           <p:nvPr/>
         </p:nvSpPr>
         <p:spPr>
           <a:xfrm>
             <a:off x="3820262" y="3571337"/>
-            <a:ext cx="1918201" cy="330601"/>
+            <a:ext cx="1918202" cy="330602"/>
           </a:xfrm>
           <a:prstGeom prst="rect">
             <a:avLst/>
@@ -6125,14 +6101,14 @@
       </p:sp>
       <p:sp>
         <p:nvSpPr>
-          <p:cNvPr id="119" name="Google Shape;75;p3"/>
+          <p:cNvPr id="120" name="Google Shape;75;p3"/>
           <p:cNvSpPr/>
           <p:nvPr/>
         </p:nvSpPr>
         <p:spPr>
           <a:xfrm rot="10800000">
             <a:off x="3712200" y="3698849"/>
-            <a:ext cx="165901" cy="203101"/>
+            <a:ext cx="165902" cy="203102"/>
           </a:xfrm>
           <a:custGeom>
             <a:avLst/>
@@ -6207,14 +6183,14 @@
       </p:sp>
       <p:sp>
         <p:nvSpPr>
-          <p:cNvPr id="120" name="Google Shape;76;p3"/>
+          <p:cNvPr id="121" name="Google Shape;76;p3"/>
           <p:cNvSpPr txBox="1"/>
           <p:nvPr/>
         </p:nvSpPr>
         <p:spPr>
           <a:xfrm>
             <a:off x="855700" y="3571337"/>
-            <a:ext cx="1918200" cy="330601"/>
+            <a:ext cx="1918200" cy="330602"/>
           </a:xfrm>
           <a:prstGeom prst="rect">
             <a:avLst/>
@@ -6255,14 +6231,14 @@
       </p:sp>
       <p:sp>
         <p:nvSpPr>
-          <p:cNvPr id="121" name="Google Shape;77;p3"/>
+          <p:cNvPr id="122" name="Google Shape;77;p3"/>
           <p:cNvSpPr/>
           <p:nvPr/>
         </p:nvSpPr>
         <p:spPr>
           <a:xfrm>
             <a:off x="739949" y="3698849"/>
-            <a:ext cx="165901" cy="203101"/>
+            <a:ext cx="165902" cy="203102"/>
           </a:xfrm>
           <a:custGeom>
             <a:avLst/>
@@ -6337,14 +6313,14 @@
       </p:sp>
       <p:sp>
         <p:nvSpPr>
-          <p:cNvPr id="122" name="Google Shape;78;p3"/>
+          <p:cNvPr id="123" name="Google Shape;78;p3"/>
           <p:cNvSpPr/>
           <p:nvPr/>
         </p:nvSpPr>
         <p:spPr>
           <a:xfrm rot="10800000">
             <a:off x="3662186" y="1221283"/>
-            <a:ext cx="1391851" cy="1630369"/>
+            <a:ext cx="1391852" cy="1630370"/>
           </a:xfrm>
           <a:custGeom>
             <a:avLst/>
@@ -7968,6 +7944,10 @@
                 <a:solidFill>
                   <a:srgbClr val="000000"/>
                 </a:solidFill>
+                <a:latin typeface="+mj-lt"/>
+                <a:ea typeface="+mj-ea"/>
+                <a:cs typeface="+mj-cs"/>
+                <a:sym typeface="Arial"/>
               </a:defRPr>
             </a:pPr>
           </a:p>
@@ -7975,14 +7955,14 @@
       </p:sp>
       <p:sp>
         <p:nvSpPr>
-          <p:cNvPr id="123" name="Google Shape;79;p3"/>
+          <p:cNvPr id="124" name="Google Shape;79;p3"/>
           <p:cNvSpPr/>
           <p:nvPr/>
         </p:nvSpPr>
         <p:spPr>
           <a:xfrm rot="10800000">
             <a:off x="4847945" y="2156654"/>
-            <a:ext cx="881011" cy="1024273"/>
+            <a:ext cx="881012" cy="1024274"/>
           </a:xfrm>
           <a:custGeom>
             <a:avLst/>
@@ -9606,6 +9586,10 @@
                 <a:solidFill>
                   <a:srgbClr val="000000"/>
                 </a:solidFill>
+                <a:latin typeface="+mj-lt"/>
+                <a:ea typeface="+mj-ea"/>
+                <a:cs typeface="+mj-cs"/>
+                <a:sym typeface="Arial"/>
               </a:defRPr>
             </a:pPr>
           </a:p>
@@ -9613,14 +9597,14 @@
       </p:sp>
       <p:sp>
         <p:nvSpPr>
-          <p:cNvPr id="124" name="Google Shape;80;p3"/>
+          <p:cNvPr id="125" name="Google Shape;80;p3"/>
           <p:cNvSpPr txBox="1"/>
           <p:nvPr/>
         </p:nvSpPr>
         <p:spPr>
           <a:xfrm>
-            <a:off x="3198412" y="1692675"/>
-            <a:ext cx="2750701" cy="1159825"/>
+            <a:off x="3198411" y="1692674"/>
+            <a:ext cx="2750702" cy="1159826"/>
           </a:xfrm>
           <a:prstGeom prst="rect">
             <a:avLst/>
@@ -9691,14 +9675,14 @@
       </p:sp>
       <p:sp>
         <p:nvSpPr>
-          <p:cNvPr id="125" name="Google Shape;81;p3"/>
+          <p:cNvPr id="126" name="Google Shape;81;p3"/>
           <p:cNvSpPr/>
           <p:nvPr/>
         </p:nvSpPr>
         <p:spPr>
           <a:xfrm>
             <a:off x="6531212" y="1221267"/>
-            <a:ext cx="2198449" cy="1811322"/>
+            <a:ext cx="2198450" cy="1811322"/>
           </a:xfrm>
           <a:custGeom>
             <a:avLst/>
@@ -13310,6 +13294,10 @@
                 <a:solidFill>
                   <a:srgbClr val="000000"/>
                 </a:solidFill>
+                <a:latin typeface="+mj-lt"/>
+                <a:ea typeface="+mj-ea"/>
+                <a:cs typeface="+mj-cs"/>
+                <a:sym typeface="Arial"/>
               </a:defRPr>
             </a:pPr>
           </a:p>
@@ -13317,14 +13305,14 @@
       </p:sp>
       <p:sp>
         <p:nvSpPr>
-          <p:cNvPr id="126" name="Google Shape;82;p3"/>
+          <p:cNvPr id="127" name="Google Shape;82;p3"/>
           <p:cNvSpPr txBox="1"/>
           <p:nvPr/>
         </p:nvSpPr>
         <p:spPr>
           <a:xfrm>
             <a:off x="6478699" y="1651123"/>
-            <a:ext cx="2750701" cy="1159801"/>
+            <a:ext cx="2750702" cy="1159802"/>
           </a:xfrm>
           <a:prstGeom prst="rect">
             <a:avLst/>
@@ -13344,7 +13332,7 @@
           </a:bodyPr>
           <a:lstStyle>
             <a:lvl1pPr algn="ctr" defTabSz="694944">
-              <a:defRPr sz="2128">
+              <a:defRPr sz="2100">
                 <a:solidFill>
                   <a:srgbClr val="000000"/>
                 </a:solidFill>
@@ -13365,14 +13353,14 @@
       </p:sp>
       <p:sp>
         <p:nvSpPr>
-          <p:cNvPr id="127" name="Google Shape;83;p3"/>
+          <p:cNvPr id="128" name="Google Shape;83;p3"/>
           <p:cNvSpPr txBox="1"/>
           <p:nvPr/>
         </p:nvSpPr>
         <p:spPr>
           <a:xfrm>
-            <a:off x="6894949" y="3571337"/>
-            <a:ext cx="1918201" cy="330601"/>
+            <a:off x="6894948" y="3571337"/>
+            <a:ext cx="1918202" cy="330602"/>
           </a:xfrm>
           <a:prstGeom prst="rect">
             <a:avLst/>
@@ -13413,14 +13401,14 @@
       </p:sp>
       <p:sp>
         <p:nvSpPr>
-          <p:cNvPr id="128" name="Google Shape;84;p3"/>
+          <p:cNvPr id="129" name="Google Shape;84;p3"/>
           <p:cNvSpPr/>
           <p:nvPr/>
         </p:nvSpPr>
         <p:spPr>
           <a:xfrm rot="10800000">
-            <a:off x="6784824" y="3733975"/>
-            <a:ext cx="165901" cy="203101"/>
+            <a:off x="6784823" y="3733975"/>
+            <a:ext cx="165902" cy="203102"/>
           </a:xfrm>
           <a:custGeom>
             <a:avLst/>
@@ -13495,14 +13483,14 @@
       </p:sp>
       <p:sp>
         <p:nvSpPr>
-          <p:cNvPr id="129" name="Google Shape;85;p3"/>
+          <p:cNvPr id="130" name="Google Shape;85;p3"/>
           <p:cNvSpPr txBox="1"/>
           <p:nvPr/>
         </p:nvSpPr>
         <p:spPr>
           <a:xfrm>
-            <a:off x="575449" y="4215300"/>
-            <a:ext cx="8521502" cy="784801"/>
+            <a:off x="575448" y="4215300"/>
+            <a:ext cx="8521504" cy="784802"/>
           </a:xfrm>
           <a:prstGeom prst="rect">
             <a:avLst/>
@@ -13615,7 +13603,7 @@
       </p:grpSpPr>
       <p:sp>
         <p:nvSpPr>
-          <p:cNvPr id="131" name="Google Shape;90;g23f11c34dc7_0_556"/>
+          <p:cNvPr id="132" name="Google Shape;90;g23f11c34dc7_0_556"/>
           <p:cNvSpPr txBox="1"/>
           <p:nvPr>
             <p:ph type="body" sz="quarter" idx="4294967295"/>
@@ -13624,16 +13612,14 @@
         <p:spPr>
           <a:xfrm>
             <a:off x="208149" y="243599"/>
-            <a:ext cx="8706002" cy="784802"/>
+            <a:ext cx="8706002" cy="784803"/>
           </a:xfrm>
           <a:prstGeom prst="rect">
             <a:avLst/>
           </a:prstGeom>
         </p:spPr>
         <p:txBody>
-          <a:bodyPr>
-            <a:normAutofit fontScale="100000" lnSpcReduction="0"/>
-          </a:bodyPr>
+          <a:bodyPr/>
           <a:lstStyle>
             <a:lvl1pPr marL="0" indent="0" algn="ctr">
               <a:buSzTx/>
@@ -13655,7 +13641,7 @@
       </p:sp>
       <p:sp>
         <p:nvSpPr>
-          <p:cNvPr id="132" name="Google Shape;91;g23f11c34dc7_0_556"/>
+          <p:cNvPr id="133" name="Google Shape;91;g23f11c34dc7_0_556"/>
           <p:cNvSpPr txBox="1"/>
           <p:nvPr>
             <p:ph type="sldNum" sz="quarter" idx="4294967295"/>
@@ -13663,7 +13649,7 @@
         </p:nvSpPr>
         <p:spPr>
           <a:xfrm>
-            <a:off x="152408" y="4843551"/>
+            <a:off x="152408" y="4843550"/>
             <a:ext cx="127001" cy="203201"/>
           </a:xfrm>
           <a:prstGeom prst="rect">
@@ -13686,28 +13672,28 @@
       </p:sp>
       <p:grpSp>
         <p:nvGrpSpPr>
-          <p:cNvPr id="140" name="Google Shape;92;g23f11c34dc7_0_556"/>
+          <p:cNvPr id="141" name="Google Shape;92;g23f11c34dc7_0_556"/>
           <p:cNvGrpSpPr/>
           <p:nvPr/>
         </p:nvGrpSpPr>
         <p:grpSpPr>
           <a:xfrm>
-            <a:off x="-11301" y="1386611"/>
-            <a:ext cx="2129941" cy="2259523"/>
-            <a:chOff x="0" y="0"/>
-            <a:chExt cx="2129939" cy="2259522"/>
+            <a:off x="-11291" y="1386610"/>
+            <a:ext cx="2129933" cy="2259519"/>
+            <a:chOff x="10" y="0"/>
+            <a:chExt cx="2129932" cy="2259517"/>
           </a:xfrm>
         </p:grpSpPr>
         <p:sp>
           <p:nvSpPr>
-            <p:cNvPr id="133" name="Google Shape;93;g23f11c34dc7_0_556"/>
+            <p:cNvPr id="134" name="Google Shape;93;g23f11c34dc7_0_556"/>
             <p:cNvSpPr/>
             <p:nvPr/>
           </p:nvSpPr>
           <p:spPr>
             <a:xfrm rot="2700000">
-              <a:off x="1192447" y="15778"/>
-              <a:ext cx="571485" cy="1271945"/>
+              <a:off x="1192448" y="15778"/>
+              <a:ext cx="571487" cy="1271946"/>
             </a:xfrm>
             <a:prstGeom prst="ellipse">
               <a:avLst/>
@@ -13743,14 +13729,14 @@
         </p:sp>
         <p:sp>
           <p:nvSpPr>
-            <p:cNvPr id="134" name="Google Shape;94;g23f11c34dc7_0_556"/>
+            <p:cNvPr id="135" name="Google Shape;94;g23f11c34dc7_0_556"/>
             <p:cNvSpPr/>
             <p:nvPr/>
           </p:nvSpPr>
           <p:spPr>
             <a:xfrm>
-              <a:off x="1492069" y="697831"/>
-              <a:ext cx="619737" cy="1345776"/>
+              <a:off x="1492065" y="697831"/>
+              <a:ext cx="619717" cy="1345777"/>
             </a:xfrm>
             <a:custGeom>
               <a:avLst/>
@@ -13772,7 +13758,7 @@
               </a:cxnLst>
               <a:rect l="0" t="0" r="r" b="b"/>
               <a:pathLst>
-                <a:path w="19106" h="21299" fill="norm" stroke="1" extrusionOk="0">
+                <a:path w="19105" h="21299" fill="norm" stroke="1" extrusionOk="0">
                   <a:moveTo>
                     <a:pt x="9517" y="0"/>
                   </a:moveTo>
@@ -13830,6 +13816,10 @@
                   <a:solidFill>
                     <a:srgbClr val="000000"/>
                   </a:solidFill>
+                  <a:latin typeface="+mj-lt"/>
+                  <a:ea typeface="+mj-ea"/>
+                  <a:cs typeface="+mj-cs"/>
+                  <a:sym typeface="Arial"/>
                 </a:defRPr>
               </a:pPr>
             </a:p>
@@ -13837,14 +13827,14 @@
         </p:sp>
         <p:sp>
           <p:nvSpPr>
-            <p:cNvPr id="135" name="Google Shape;95;g23f11c34dc7_0_556"/>
+            <p:cNvPr id="136" name="Google Shape;95;g23f11c34dc7_0_556"/>
             <p:cNvSpPr/>
             <p:nvPr/>
           </p:nvSpPr>
           <p:spPr>
             <a:xfrm>
-              <a:off x="1423244" y="804131"/>
-              <a:ext cx="619737" cy="1345776"/>
+              <a:off x="1423240" y="804131"/>
+              <a:ext cx="619717" cy="1345777"/>
             </a:xfrm>
             <a:custGeom>
               <a:avLst/>
@@ -13866,7 +13856,7 @@
               </a:cxnLst>
               <a:rect l="0" t="0" r="r" b="b"/>
               <a:pathLst>
-                <a:path w="19106" h="21299" fill="norm" stroke="1" extrusionOk="0">
+                <a:path w="19105" h="21299" fill="norm" stroke="1" extrusionOk="0">
                   <a:moveTo>
                     <a:pt x="9517" y="0"/>
                   </a:moveTo>
@@ -13924,6 +13914,10 @@
                   <a:solidFill>
                     <a:srgbClr val="000000"/>
                   </a:solidFill>
+                  <a:latin typeface="+mj-lt"/>
+                  <a:ea typeface="+mj-ea"/>
+                  <a:cs typeface="+mj-cs"/>
+                  <a:sym typeface="Arial"/>
                 </a:defRPr>
               </a:pPr>
             </a:p>
@@ -13931,14 +13925,14 @@
         </p:sp>
         <p:sp>
           <p:nvSpPr>
-            <p:cNvPr id="136" name="Google Shape;96;g23f11c34dc7_0_556"/>
+            <p:cNvPr id="137" name="Google Shape;96;g23f11c34dc7_0_556"/>
             <p:cNvSpPr/>
             <p:nvPr/>
           </p:nvSpPr>
           <p:spPr>
             <a:xfrm rot="14738340">
-              <a:off x="430940" y="179697"/>
-              <a:ext cx="619762" cy="1345828"/>
+              <a:off x="430958" y="179711"/>
+              <a:ext cx="619741" cy="1345830"/>
             </a:xfrm>
             <a:custGeom>
               <a:avLst/>
@@ -13960,7 +13954,7 @@
               </a:cxnLst>
               <a:rect l="0" t="0" r="r" b="b"/>
               <a:pathLst>
-                <a:path w="19106" h="21299" fill="norm" stroke="1" extrusionOk="0">
+                <a:path w="19105" h="21299" fill="norm" stroke="1" extrusionOk="0">
                   <a:moveTo>
                     <a:pt x="9517" y="0"/>
                   </a:moveTo>
@@ -14018,6 +14012,10 @@
                   <a:solidFill>
                     <a:srgbClr val="000000"/>
                   </a:solidFill>
+                  <a:latin typeface="+mj-lt"/>
+                  <a:ea typeface="+mj-ea"/>
+                  <a:cs typeface="+mj-cs"/>
+                  <a:sym typeface="Arial"/>
                 </a:defRPr>
               </a:pPr>
             </a:p>
@@ -14025,14 +14023,14 @@
         </p:sp>
         <p:sp>
           <p:nvSpPr>
-            <p:cNvPr id="137" name="Google Shape;97;g23f11c34dc7_0_556"/>
+            <p:cNvPr id="138" name="Google Shape;97;g23f11c34dc7_0_556"/>
             <p:cNvSpPr/>
             <p:nvPr/>
           </p:nvSpPr>
           <p:spPr>
             <a:xfrm rot="13500000">
-              <a:off x="514118" y="443813"/>
-              <a:ext cx="619732" cy="1345763"/>
+              <a:off x="514140" y="443823"/>
+              <a:ext cx="619711" cy="1345766"/>
             </a:xfrm>
             <a:custGeom>
               <a:avLst/>
@@ -14054,7 +14052,7 @@
               </a:cxnLst>
               <a:rect l="0" t="0" r="r" b="b"/>
               <a:pathLst>
-                <a:path w="19106" h="21299" fill="norm" stroke="1" extrusionOk="0">
+                <a:path w="19105" h="21299" fill="norm" stroke="1" extrusionOk="0">
                   <a:moveTo>
                     <a:pt x="9517" y="0"/>
                   </a:moveTo>
@@ -14112,6 +14110,10 @@
                   <a:solidFill>
                     <a:srgbClr val="000000"/>
                   </a:solidFill>
+                  <a:latin typeface="+mj-lt"/>
+                  <a:ea typeface="+mj-ea"/>
+                  <a:cs typeface="+mj-cs"/>
+                  <a:sym typeface="Arial"/>
                 </a:defRPr>
               </a:pPr>
             </a:p>
@@ -14119,14 +14121,14 @@
         </p:sp>
         <p:sp>
           <p:nvSpPr>
-            <p:cNvPr id="138" name="Google Shape;98;g23f11c34dc7_0_556"/>
+            <p:cNvPr id="139" name="Google Shape;98;g23f11c34dc7_0_556"/>
             <p:cNvSpPr/>
             <p:nvPr/>
           </p:nvSpPr>
           <p:spPr>
             <a:xfrm rot="830002">
-              <a:off x="1169048" y="859167"/>
-              <a:ext cx="619741" cy="1345783"/>
+              <a:off x="1169044" y="859163"/>
+              <a:ext cx="619721" cy="1345785"/>
             </a:xfrm>
             <a:custGeom>
               <a:avLst/>
@@ -14148,7 +14150,7 @@
               </a:cxnLst>
               <a:rect l="0" t="0" r="r" b="b"/>
               <a:pathLst>
-                <a:path w="19106" h="21299" fill="norm" stroke="1" extrusionOk="0">
+                <a:path w="19105" h="21299" fill="norm" stroke="1" extrusionOk="0">
                   <a:moveTo>
                     <a:pt x="9517" y="0"/>
                   </a:moveTo>
@@ -14206,6 +14208,10 @@
                   <a:solidFill>
                     <a:srgbClr val="000000"/>
                   </a:solidFill>
+                  <a:latin typeface="+mj-lt"/>
+                  <a:ea typeface="+mj-ea"/>
+                  <a:cs typeface="+mj-cs"/>
+                  <a:sym typeface="Arial"/>
                 </a:defRPr>
               </a:pPr>
             </a:p>
@@ -14213,14 +14219,14 @@
         </p:sp>
         <p:sp>
           <p:nvSpPr>
-            <p:cNvPr id="139" name="Google Shape;99;g23f11c34dc7_0_556"/>
+            <p:cNvPr id="140" name="Google Shape;99;g23f11c34dc7_0_556"/>
             <p:cNvSpPr/>
             <p:nvPr/>
           </p:nvSpPr>
           <p:spPr>
             <a:xfrm rot="14716349">
-              <a:off x="560431" y="59310"/>
-              <a:ext cx="619733" cy="1345764"/>
+              <a:off x="560449" y="59323"/>
+              <a:ext cx="619712" cy="1345767"/>
             </a:xfrm>
             <a:custGeom>
               <a:avLst/>
@@ -14242,7 +14248,7 @@
               </a:cxnLst>
               <a:rect l="0" t="0" r="r" b="b"/>
               <a:pathLst>
-                <a:path w="19106" h="21299" fill="norm" stroke="1" extrusionOk="0">
+                <a:path w="19105" h="21299" fill="norm" stroke="1" extrusionOk="0">
                   <a:moveTo>
                     <a:pt x="9517" y="0"/>
                   </a:moveTo>
@@ -14300,6 +14306,10 @@
                   <a:solidFill>
                     <a:srgbClr val="000000"/>
                   </a:solidFill>
+                  <a:latin typeface="+mj-lt"/>
+                  <a:ea typeface="+mj-ea"/>
+                  <a:cs typeface="+mj-cs"/>
+                  <a:sym typeface="Arial"/>
                 </a:defRPr>
               </a:pPr>
             </a:p>
@@ -14308,7 +14318,7 @@
       </p:grpSp>
       <p:sp>
         <p:nvSpPr>
-          <p:cNvPr id="141" name="Google Shape;100;g23f11c34dc7_0_556"/>
+          <p:cNvPr id="142" name="Google Shape;100;g23f11c34dc7_0_556"/>
           <p:cNvSpPr txBox="1"/>
           <p:nvPr>
             <p:ph type="title" idx="4294967295"/>
@@ -14316,20 +14326,18 @@
         </p:nvSpPr>
         <p:spPr>
           <a:xfrm>
-            <a:off x="306299" y="1841937"/>
-            <a:ext cx="2750702" cy="763463"/>
+            <a:off x="306298" y="1841936"/>
+            <a:ext cx="2750704" cy="763464"/>
           </a:xfrm>
           <a:prstGeom prst="rect">
             <a:avLst/>
           </a:prstGeom>
         </p:spPr>
         <p:txBody>
-          <a:bodyPr>
-            <a:normAutofit fontScale="100000" lnSpcReduction="0"/>
-          </a:bodyPr>
+          <a:bodyPr/>
           <a:lstStyle>
             <a:lvl1pPr algn="ctr" defTabSz="566927">
-              <a:defRPr sz="2108">
+              <a:defRPr sz="2100">
                 <a:solidFill>
                   <a:srgbClr val="000000"/>
                 </a:solidFill>
@@ -14350,14 +14358,14 @@
       </p:sp>
       <p:sp>
         <p:nvSpPr>
-          <p:cNvPr id="142" name="Google Shape;101;g23f11c34dc7_0_556"/>
+          <p:cNvPr id="143" name="Google Shape;101;g23f11c34dc7_0_556"/>
           <p:cNvSpPr txBox="1"/>
           <p:nvPr/>
         </p:nvSpPr>
         <p:spPr>
           <a:xfrm>
             <a:off x="697625" y="3418937"/>
-            <a:ext cx="1918200" cy="330601"/>
+            <a:ext cx="1918200" cy="330602"/>
           </a:xfrm>
           <a:prstGeom prst="rect">
             <a:avLst/>
@@ -14398,14 +14406,14 @@
       </p:sp>
       <p:sp>
         <p:nvSpPr>
-          <p:cNvPr id="143" name="Google Shape;102;g23f11c34dc7_0_556"/>
+          <p:cNvPr id="144" name="Google Shape;102;g23f11c34dc7_0_556"/>
           <p:cNvSpPr/>
           <p:nvPr/>
         </p:nvSpPr>
         <p:spPr>
           <a:xfrm>
             <a:off x="531725" y="3546449"/>
-            <a:ext cx="165901" cy="203101"/>
+            <a:ext cx="165902" cy="203102"/>
           </a:xfrm>
           <a:custGeom>
             <a:avLst/>
@@ -14480,14 +14488,14 @@
       </p:sp>
       <p:sp>
         <p:nvSpPr>
-          <p:cNvPr id="144" name="Google Shape;103;g23f11c34dc7_0_556"/>
+          <p:cNvPr id="145" name="Google Shape;103;g23f11c34dc7_0_556"/>
           <p:cNvSpPr txBox="1"/>
           <p:nvPr/>
         </p:nvSpPr>
         <p:spPr>
           <a:xfrm>
             <a:off x="3805350" y="1237500"/>
-            <a:ext cx="4847700" cy="2557751"/>
+            <a:ext cx="4847700" cy="2557749"/>
           </a:xfrm>
           <a:prstGeom prst="rect">
             <a:avLst/>
@@ -14502,7 +14510,7 @@
           </a:extLst>
         </p:spPr>
         <p:txBody>
-          <a:bodyPr lIns="91424" tIns="91424" rIns="91424" bIns="91424">
+          <a:bodyPr lIns="91423" tIns="91423" rIns="91423" bIns="91423">
             <a:spAutoFit/>
           </a:bodyPr>
           <a:lstStyle/>
@@ -14528,14 +14536,12 @@
                 <a:solidFill>
                   <a:srgbClr val="000000"/>
                 </a:solidFill>
+                <a:latin typeface="Merriweather"/>
+                <a:ea typeface="Merriweather"/>
+                <a:cs typeface="Merriweather"/>
+                <a:sym typeface="Merriweather"/>
               </a:defRPr>
             </a:pPr>
-            <a:endParaRPr>
-              <a:latin typeface="Merriweather"/>
-              <a:ea typeface="Merriweather"/>
-              <a:cs typeface="Merriweather"/>
-              <a:sym typeface="Merriweather"/>
-            </a:endParaRPr>
           </a:p>
           <a:p>
             <a:pPr marL="457200" indent="-317500">
@@ -14565,14 +14571,12 @@
                 <a:solidFill>
                   <a:srgbClr val="000000"/>
                 </a:solidFill>
+                <a:latin typeface="Merriweather"/>
+                <a:ea typeface="Merriweather"/>
+                <a:cs typeface="Merriweather"/>
+                <a:sym typeface="Merriweather"/>
               </a:defRPr>
             </a:pPr>
-            <a:endParaRPr>
-              <a:latin typeface="Merriweather"/>
-              <a:ea typeface="Merriweather"/>
-              <a:cs typeface="Merriweather"/>
-              <a:sym typeface="Merriweather"/>
-            </a:endParaRPr>
           </a:p>
           <a:p>
             <a:pPr marL="457200" indent="-317500">
@@ -14602,14 +14606,12 @@
                 <a:solidFill>
                   <a:srgbClr val="000000"/>
                 </a:solidFill>
+                <a:latin typeface="Merriweather"/>
+                <a:ea typeface="Merriweather"/>
+                <a:cs typeface="Merriweather"/>
+                <a:sym typeface="Merriweather"/>
               </a:defRPr>
             </a:pPr>
-            <a:endParaRPr>
-              <a:latin typeface="Merriweather"/>
-              <a:ea typeface="Merriweather"/>
-              <a:cs typeface="Merriweather"/>
-              <a:sym typeface="Merriweather"/>
-            </a:endParaRPr>
           </a:p>
           <a:p>
             <a:pPr marL="457200" indent="-317500">
@@ -14674,7 +14676,7 @@
       </p:grpSpPr>
       <p:sp>
         <p:nvSpPr>
-          <p:cNvPr id="146" name="Google Shape;108;g23f11c34dc7_0_608"/>
+          <p:cNvPr id="147" name="Google Shape;108;g23f11c34dc7_0_608"/>
           <p:cNvSpPr txBox="1"/>
           <p:nvPr>
             <p:ph type="title"/>
@@ -14682,8 +14684,8 @@
         </p:nvSpPr>
         <p:spPr>
           <a:xfrm>
-            <a:off x="2348725" y="388674"/>
-            <a:ext cx="6669900" cy="553801"/>
+            <a:off x="2348725" y="388673"/>
+            <a:ext cx="6669900" cy="553803"/>
           </a:xfrm>
           <a:prstGeom prst="rect">
             <a:avLst/>
@@ -14693,7 +14695,7 @@
           <a:bodyPr/>
           <a:lstStyle>
             <a:lvl1pPr defTabSz="804672">
-              <a:defRPr sz="1232"/>
+              <a:defRPr sz="1200"/>
             </a:lvl1pPr>
           </a:lstStyle>
           <a:p>
@@ -14706,7 +14708,7 @@
       </p:sp>
       <p:sp>
         <p:nvSpPr>
-          <p:cNvPr id="147" name="Google Shape;109;g23f11c34dc7_0_608"/>
+          <p:cNvPr id="148" name="Google Shape;109;g23f11c34dc7_0_608"/>
           <p:cNvSpPr txBox="1"/>
           <p:nvPr>
             <p:ph type="sldNum" sz="quarter" idx="4294967295"/>
@@ -14714,7 +14716,7 @@
         </p:nvSpPr>
         <p:spPr>
           <a:xfrm>
-            <a:off x="152408" y="4843551"/>
+            <a:off x="152408" y="4843550"/>
             <a:ext cx="127001" cy="203201"/>
           </a:xfrm>
           <a:prstGeom prst="rect">
@@ -14737,7 +14739,7 @@
       </p:sp>
       <p:pic>
         <p:nvPicPr>
-          <p:cNvPr id="148" name="Google Shape;110;g23f11c34dc7_0_608" descr="Google Shape;110;g23f11c34dc7_0_608"/>
+          <p:cNvPr id="149" name="Google Shape;110;g23f11c34dc7_0_608" descr="Google Shape;110;g23f11c34dc7_0_608"/>
           <p:cNvPicPr>
             <a:picLocks noChangeAspect="1"/>
           </p:cNvPicPr>
@@ -14754,7 +14756,7 @@
         <p:spPr>
           <a:xfrm>
             <a:off x="3922200" y="1087250"/>
-            <a:ext cx="5096435" cy="3992801"/>
+            <a:ext cx="5096436" cy="3992801"/>
           </a:xfrm>
           <a:prstGeom prst="rect">
             <a:avLst/>
@@ -14766,14 +14768,14 @@
       </p:pic>
       <p:sp>
         <p:nvSpPr>
-          <p:cNvPr id="149" name="Google Shape;111;g23f11c34dc7_0_608"/>
+          <p:cNvPr id="150" name="Google Shape;111;g23f11c34dc7_0_608"/>
           <p:cNvSpPr/>
           <p:nvPr/>
         </p:nvSpPr>
         <p:spPr>
           <a:xfrm>
             <a:off x="4431374" y="1212700"/>
-            <a:ext cx="4112101" cy="504901"/>
+            <a:ext cx="4112102" cy="504902"/>
           </a:xfrm>
           <a:prstGeom prst="rect">
             <a:avLst/>
@@ -14805,14 +14807,14 @@
       </p:sp>
       <p:sp>
         <p:nvSpPr>
-          <p:cNvPr id="150" name="Google Shape;112;g23f11c34dc7_0_608"/>
+          <p:cNvPr id="151" name="Google Shape;112;g23f11c34dc7_0_608"/>
           <p:cNvSpPr txBox="1"/>
           <p:nvPr/>
         </p:nvSpPr>
         <p:spPr>
           <a:xfrm>
             <a:off x="2348725" y="2067024"/>
-            <a:ext cx="1728300" cy="1884651"/>
+            <a:ext cx="1728300" cy="1884648"/>
           </a:xfrm>
           <a:prstGeom prst="rect">
             <a:avLst/>
@@ -14827,7 +14829,7 @@
           </a:extLst>
         </p:spPr>
         <p:txBody>
-          <a:bodyPr lIns="91424" tIns="91424" rIns="91424" bIns="91424" anchor="b">
+          <a:bodyPr lIns="91423" tIns="91423" rIns="91423" bIns="91423" anchor="b">
             <a:spAutoFit/>
           </a:bodyPr>
           <a:lstStyle/>
@@ -14858,14 +14860,14 @@
       </p:sp>
       <p:sp>
         <p:nvSpPr>
-          <p:cNvPr id="151" name="Google Shape;113;g23f11c34dc7_0_608"/>
+          <p:cNvPr id="152" name="Google Shape;113;g23f11c34dc7_0_608"/>
           <p:cNvSpPr/>
           <p:nvPr/>
         </p:nvSpPr>
         <p:spPr>
           <a:xfrm rot="19776508">
             <a:off x="3892596" y="1558925"/>
-            <a:ext cx="494559" cy="131512"/>
+            <a:ext cx="494560" cy="131512"/>
           </a:xfrm>
           <a:prstGeom prst="rightArrow">
             <a:avLst>
@@ -14902,14 +14904,14 @@
       </p:sp>
       <p:sp>
         <p:nvSpPr>
-          <p:cNvPr id="152" name="Google Shape;114;g23f11c34dc7_0_608"/>
+          <p:cNvPr id="153" name="Google Shape;114;g23f11c34dc7_0_608"/>
           <p:cNvSpPr/>
           <p:nvPr/>
         </p:nvSpPr>
         <p:spPr>
           <a:xfrm>
             <a:off x="8028875" y="1331175"/>
-            <a:ext cx="285901" cy="200101"/>
+            <a:ext cx="285903" cy="200103"/>
           </a:xfrm>
           <a:prstGeom prst="ellipse">
             <a:avLst/>
@@ -14978,7 +14980,7 @@
       </p:grpSpPr>
       <p:sp>
         <p:nvSpPr>
-          <p:cNvPr id="154" name="Google Shape;119;g23f11c34dc7_0_624"/>
+          <p:cNvPr id="155" name="Google Shape;119;g23f11c34dc7_0_624"/>
           <p:cNvSpPr txBox="1"/>
           <p:nvPr>
             <p:ph type="title"/>
@@ -14987,7 +14989,7 @@
         <p:spPr>
           <a:xfrm>
             <a:off x="2557800" y="205975"/>
-            <a:ext cx="6439801" cy="857400"/>
+            <a:ext cx="6439802" cy="857400"/>
           </a:xfrm>
           <a:prstGeom prst="rect">
             <a:avLst/>
@@ -14998,7 +15000,7 @@
           <a:lstStyle/>
           <a:p>
             <a:pPr defTabSz="905255">
-              <a:defRPr sz="1485"/>
+              <a:defRPr sz="1400"/>
             </a:pPr>
             <a:r>
               <a:t>By splitting the data on average relative humidity by the various types of monsoon in Singapore (i.e. Northeast, Southwest, Non-Monsoon period), </a:t>
@@ -15006,7 +15008,7 @@
           </a:p>
           <a:p>
             <a:pPr defTabSz="905255">
-              <a:defRPr sz="1485"/>
+              <a:defRPr sz="1400"/>
             </a:pPr>
             <a:r>
               <a:t>we can see that the median of the average relative humidity for the Southwest monsoon period is lower than the other two groups. </a:t>
@@ -15016,7 +15018,7 @@
       </p:sp>
       <p:pic>
         <p:nvPicPr>
-          <p:cNvPr id="155" name="Google Shape;120;g23f11c34dc7_0_624" descr="Google Shape;120;g23f11c34dc7_0_624"/>
+          <p:cNvPr id="156" name="Google Shape;120;g23f11c34dc7_0_624" descr="Google Shape;120;g23f11c34dc7_0_624"/>
           <p:cNvPicPr>
             <a:picLocks noChangeAspect="1"/>
           </p:cNvPicPr>
@@ -15045,14 +15047,14 @@
       </p:pic>
       <p:sp>
         <p:nvSpPr>
-          <p:cNvPr id="156" name="Google Shape;121;g23f11c34dc7_0_624"/>
+          <p:cNvPr id="157" name="Google Shape;121;g23f11c34dc7_0_624"/>
           <p:cNvSpPr/>
           <p:nvPr/>
         </p:nvSpPr>
         <p:spPr>
           <a:xfrm rot="9027746">
-            <a:off x="7489250" y="3496605"/>
-            <a:ext cx="411365" cy="111781"/>
+            <a:off x="7489249" y="3496605"/>
+            <a:ext cx="411366" cy="111782"/>
           </a:xfrm>
           <a:prstGeom prst="rightArrow">
             <a:avLst>
@@ -15089,14 +15091,14 @@
       </p:sp>
       <p:sp>
         <p:nvSpPr>
-          <p:cNvPr id="157" name="Google Shape;122;g23f11c34dc7_0_624"/>
+          <p:cNvPr id="158" name="Google Shape;122;g23f11c34dc7_0_624"/>
           <p:cNvSpPr txBox="1"/>
           <p:nvPr/>
         </p:nvSpPr>
         <p:spPr>
           <a:xfrm>
-            <a:off x="7833724" y="2918374"/>
-            <a:ext cx="1414801" cy="640051"/>
+            <a:off x="7833724" y="2918373"/>
+            <a:ext cx="1414802" cy="640049"/>
           </a:xfrm>
           <a:prstGeom prst="rect">
             <a:avLst/>
@@ -15111,7 +15113,7 @@
           </a:extLst>
         </p:spPr>
         <p:txBody>
-          <a:bodyPr lIns="91424" tIns="91424" rIns="91424" bIns="91424">
+          <a:bodyPr lIns="91423" tIns="91423" rIns="91423" bIns="91423">
             <a:spAutoFit/>
           </a:bodyPr>
           <a:lstStyle>
@@ -15137,7 +15139,7 @@
       </p:sp>
       <p:sp>
         <p:nvSpPr>
-          <p:cNvPr id="158" name="Google Shape;123;g23f11c34dc7_0_624"/>
+          <p:cNvPr id="159" name="Google Shape;123;g23f11c34dc7_0_624"/>
           <p:cNvSpPr txBox="1"/>
           <p:nvPr>
             <p:ph type="sldNum" sz="quarter" idx="4294967295"/>
@@ -15145,7 +15147,7 @@
         </p:nvSpPr>
         <p:spPr>
           <a:xfrm>
-            <a:off x="152408" y="4843551"/>
+            <a:off x="152408" y="4843550"/>
             <a:ext cx="127001" cy="203201"/>
           </a:xfrm>
           <a:prstGeom prst="rect">
@@ -15194,7 +15196,7 @@
       </p:grpSpPr>
       <p:sp>
         <p:nvSpPr>
-          <p:cNvPr id="160" name="Google Shape;128;g23f11c34dc7_0_595"/>
+          <p:cNvPr id="161" name="Google Shape;128;g23f11c34dc7_0_595"/>
           <p:cNvSpPr txBox="1"/>
           <p:nvPr>
             <p:ph type="title"/>
@@ -15203,7 +15205,7 @@
         <p:spPr>
           <a:xfrm>
             <a:off x="2348725" y="263224"/>
-            <a:ext cx="7199401" cy="553802"/>
+            <a:ext cx="7199401" cy="553803"/>
           </a:xfrm>
           <a:prstGeom prst="rect">
             <a:avLst/>
@@ -15214,31 +15216,23 @@
           <a:lstStyle/>
           <a:p>
             <a:pPr defTabSz="804672">
-              <a:defRPr sz="1232"/>
+              <a:defRPr sz="1200"/>
             </a:pPr>
             <a:r>
               <a:t>By plotting the heatmap for southwest monsoon period, we can observe the following:</a:t>
             </a:r>
           </a:p>
           <a:p>
-            <a:pPr marL="402336" indent="-269341" defTabSz="804672">
-              <a:buClr>
-                <a:schemeClr val="accent3"/>
-              </a:buClr>
-              <a:buSzPts val="1200"/>
-              <a:defRPr sz="1232"/>
+            <a:pPr marL="269340" indent="-136345" defTabSz="804672">
+              <a:defRPr sz="1200"/>
             </a:pPr>
             <a:r>
               <a:t>The lower the average relative humidity, the higher the number of Typhoid cases</a:t>
             </a:r>
           </a:p>
           <a:p>
-            <a:pPr marL="402336" indent="-279400" defTabSz="804672">
-              <a:buClr>
-                <a:schemeClr val="accent3"/>
-              </a:buClr>
-              <a:buSzPts val="1200"/>
-              <a:defRPr sz="1232"/>
+            <a:pPr marL="279400" indent="-156463" defTabSz="804672">
+              <a:defRPr sz="1200"/>
             </a:pPr>
             <a:r>
               <a:t>The lower the number of rainy days, the higher the number of Typhoid cases</a:t>
@@ -15248,7 +15242,7 @@
       </p:sp>
       <p:sp>
         <p:nvSpPr>
-          <p:cNvPr id="161" name="Google Shape;129;g23f11c34dc7_0_595"/>
+          <p:cNvPr id="162" name="Google Shape;129;g23f11c34dc7_0_595"/>
           <p:cNvSpPr txBox="1"/>
           <p:nvPr>
             <p:ph type="sldNum" sz="quarter" idx="4294967295"/>
@@ -15256,7 +15250,7 @@
         </p:nvSpPr>
         <p:spPr>
           <a:xfrm>
-            <a:off x="152408" y="4843551"/>
+            <a:off x="152408" y="4843550"/>
             <a:ext cx="127001" cy="203201"/>
           </a:xfrm>
           <a:prstGeom prst="rect">
@@ -15279,7 +15273,7 @@
       </p:sp>
       <p:pic>
         <p:nvPicPr>
-          <p:cNvPr id="162" name="Google Shape;130;g23f11c34dc7_0_595" descr="Google Shape;130;g23f11c34dc7_0_595"/>
+          <p:cNvPr id="163" name="Google Shape;130;g23f11c34dc7_0_595" descr="Google Shape;130;g23f11c34dc7_0_595"/>
           <p:cNvPicPr>
             <a:picLocks noChangeAspect="1"/>
           </p:cNvPicPr>
@@ -15296,7 +15290,7 @@
         <p:spPr>
           <a:xfrm>
             <a:off x="2976625" y="1016074"/>
-            <a:ext cx="5142824" cy="4029125"/>
+            <a:ext cx="5142825" cy="4029126"/>
           </a:xfrm>
           <a:prstGeom prst="rect">
             <a:avLst/>
@@ -15308,14 +15302,14 @@
       </p:pic>
       <p:sp>
         <p:nvSpPr>
-          <p:cNvPr id="163" name="Google Shape;131;g23f11c34dc7_0_595"/>
+          <p:cNvPr id="164" name="Google Shape;131;g23f11c34dc7_0_595"/>
           <p:cNvSpPr/>
           <p:nvPr/>
         </p:nvSpPr>
         <p:spPr>
           <a:xfrm>
             <a:off x="7101950" y="1247550"/>
-            <a:ext cx="362401" cy="243901"/>
+            <a:ext cx="362403" cy="243903"/>
           </a:xfrm>
           <a:prstGeom prst="ellipse">
             <a:avLst/>
@@ -15347,14 +15341,14 @@
       </p:sp>
       <p:sp>
         <p:nvSpPr>
-          <p:cNvPr id="164" name="Google Shape;132;g23f11c34dc7_0_595"/>
+          <p:cNvPr id="165" name="Google Shape;132;g23f11c34dc7_0_595"/>
           <p:cNvSpPr/>
           <p:nvPr/>
         </p:nvSpPr>
         <p:spPr>
           <a:xfrm>
             <a:off x="4955399" y="1247550"/>
-            <a:ext cx="397201" cy="243901"/>
+            <a:ext cx="397203" cy="243903"/>
           </a:xfrm>
           <a:prstGeom prst="ellipse">
             <a:avLst/>
@@ -15386,14 +15380,14 @@
       </p:sp>
       <p:sp>
         <p:nvSpPr>
-          <p:cNvPr id="165" name="Google Shape;133;g23f11c34dc7_0_595"/>
+          <p:cNvPr id="166" name="Google Shape;133;g23f11c34dc7_0_595"/>
           <p:cNvSpPr/>
           <p:nvPr/>
         </p:nvSpPr>
         <p:spPr>
           <a:xfrm>
             <a:off x="5038950" y="4195650"/>
-            <a:ext cx="230101" cy="553801"/>
+            <a:ext cx="230102" cy="553802"/>
           </a:xfrm>
           <a:prstGeom prst="rect">
             <a:avLst/>
@@ -15425,14 +15419,14 @@
       </p:sp>
       <p:sp>
         <p:nvSpPr>
-          <p:cNvPr id="166" name="Google Shape;134;g23f11c34dc7_0_595"/>
+          <p:cNvPr id="167" name="Google Shape;134;g23f11c34dc7_0_595"/>
           <p:cNvSpPr/>
           <p:nvPr/>
         </p:nvSpPr>
         <p:spPr>
           <a:xfrm>
-            <a:off x="7168099" y="4195650"/>
-            <a:ext cx="230101" cy="553801"/>
+            <a:off x="7168098" y="4195650"/>
+            <a:ext cx="230102" cy="553802"/>
           </a:xfrm>
           <a:prstGeom prst="rect">
             <a:avLst/>
@@ -15464,14 +15458,14 @@
       </p:sp>
       <p:sp>
         <p:nvSpPr>
-          <p:cNvPr id="167" name="Google Shape;135;g23f11c34dc7_0_595"/>
+          <p:cNvPr id="168" name="Google Shape;135;g23f11c34dc7_0_595"/>
           <p:cNvSpPr/>
           <p:nvPr/>
         </p:nvSpPr>
         <p:spPr>
           <a:xfrm>
             <a:off x="3396674" y="1218725"/>
-            <a:ext cx="436501" cy="243901"/>
+            <a:ext cx="436502" cy="243902"/>
           </a:xfrm>
           <a:prstGeom prst="rect">
             <a:avLst/>
@@ -15540,7 +15534,7 @@
       </p:grpSpPr>
       <p:sp>
         <p:nvSpPr>
-          <p:cNvPr id="169" name="Google Shape;140;p4"/>
+          <p:cNvPr id="170" name="Google Shape;140;p4"/>
           <p:cNvSpPr txBox="1"/>
           <p:nvPr>
             <p:ph type="title"/>
@@ -15549,7 +15543,7 @@
         <p:spPr>
           <a:xfrm>
             <a:off x="2854148" y="205975"/>
-            <a:ext cx="5832602" cy="857400"/>
+            <a:ext cx="5832603" cy="857400"/>
           </a:xfrm>
           <a:prstGeom prst="rect">
             <a:avLst/>
@@ -15568,7 +15562,7 @@
       </p:sp>
       <p:sp>
         <p:nvSpPr>
-          <p:cNvPr id="170" name="Google Shape;141;p4"/>
+          <p:cNvPr id="171" name="Google Shape;141;p4"/>
           <p:cNvSpPr txBox="1"/>
           <p:nvPr>
             <p:ph type="body" sz="quarter" idx="1"/>
@@ -15576,8 +15570,8 @@
         </p:nvSpPr>
         <p:spPr>
           <a:xfrm>
-            <a:off x="2854150" y="1333124"/>
-            <a:ext cx="2338200" cy="3266701"/>
+            <a:off x="2854150" y="1333123"/>
+            <a:ext cx="2338200" cy="3266702"/>
           </a:xfrm>
           <a:prstGeom prst="rect">
             <a:avLst/>
@@ -15642,7 +15636,7 @@
       </p:sp>
       <p:sp>
         <p:nvSpPr>
-          <p:cNvPr id="171" name="Google Shape;142;p4"/>
+          <p:cNvPr id="172" name="Google Shape;142;p4"/>
           <p:cNvSpPr txBox="1"/>
           <p:nvPr>
             <p:ph type="body" idx="21"/>
@@ -15650,8 +15644,8 @@
         </p:nvSpPr>
         <p:spPr>
           <a:xfrm>
-            <a:off x="6223534" y="1333123"/>
-            <a:ext cx="1859401" cy="3459601"/>
+            <a:off x="6223534" y="1333122"/>
+            <a:ext cx="1859402" cy="3459602"/>
           </a:xfrm>
           <a:prstGeom prst="rect">
             <a:avLst/>
@@ -15700,7 +15694,7 @@
       </p:sp>
       <p:sp>
         <p:nvSpPr>
-          <p:cNvPr id="172" name="Google Shape;143;p4"/>
+          <p:cNvPr id="173" name="Google Shape;143;p4"/>
           <p:cNvSpPr txBox="1"/>
           <p:nvPr>
             <p:ph type="sldNum" sz="quarter" idx="4294967295"/>
@@ -15731,14 +15725,14 @@
       </p:sp>
       <p:sp>
         <p:nvSpPr>
-          <p:cNvPr id="173" name="Google Shape;144;p4"/>
+          <p:cNvPr id="174" name="Google Shape;144;p4"/>
           <p:cNvSpPr/>
           <p:nvPr/>
         </p:nvSpPr>
         <p:spPr>
           <a:xfrm>
             <a:off x="3667528" y="1228419"/>
-            <a:ext cx="414289" cy="388207"/>
+            <a:ext cx="414290" cy="388207"/>
           </a:xfrm>
           <a:custGeom>
             <a:avLst/>
@@ -18334,6 +18328,10 @@
                 <a:solidFill>
                   <a:srgbClr val="000000"/>
                 </a:solidFill>
+                <a:latin typeface="+mj-lt"/>
+                <a:ea typeface="+mj-ea"/>
+                <a:cs typeface="+mj-cs"/>
+                <a:sym typeface="Arial"/>
               </a:defRPr>
             </a:pPr>
           </a:p>
@@ -18341,14 +18339,14 @@
       </p:sp>
       <p:sp>
         <p:nvSpPr>
-          <p:cNvPr id="174" name="Google Shape;145;p4"/>
+          <p:cNvPr id="175" name="Google Shape;145;p4"/>
           <p:cNvSpPr/>
           <p:nvPr/>
         </p:nvSpPr>
         <p:spPr>
           <a:xfrm>
-            <a:off x="6980397" y="1215133"/>
-            <a:ext cx="345655" cy="414775"/>
+            <a:off x="6980397" y="1215132"/>
+            <a:ext cx="345656" cy="414777"/>
           </a:xfrm>
           <a:custGeom>
             <a:avLst/>
@@ -21147,6 +21145,10 @@
                 <a:solidFill>
                   <a:srgbClr val="000000"/>
                 </a:solidFill>
+                <a:latin typeface="+mj-lt"/>
+                <a:ea typeface="+mj-ea"/>
+                <a:cs typeface="+mj-cs"/>
+                <a:sym typeface="Arial"/>
               </a:defRPr>
             </a:pPr>
           </a:p>
@@ -21191,7 +21193,7 @@
       </p:grpSpPr>
       <p:sp>
         <p:nvSpPr>
-          <p:cNvPr id="176" name="Google Shape;150;g23f11c34dc7_0_65"/>
+          <p:cNvPr id="177" name="Google Shape;150;g23f11c34dc7_0_65"/>
           <p:cNvSpPr txBox="1"/>
           <p:nvPr>
             <p:ph type="sldNum" sz="quarter" idx="4294967295"/>
@@ -21199,7 +21201,7 @@
         </p:nvSpPr>
         <p:spPr>
           <a:xfrm>
-            <a:off x="152408" y="4843551"/>
+            <a:off x="152408" y="4843550"/>
             <a:ext cx="127001" cy="203201"/>
           </a:xfrm>
           <a:prstGeom prst="rect">
@@ -21222,14 +21224,14 @@
       </p:sp>
       <p:sp>
         <p:nvSpPr>
-          <p:cNvPr id="177" name="Google Shape;151;g23f11c34dc7_0_65"/>
+          <p:cNvPr id="178" name="Google Shape;151;g23f11c34dc7_0_65"/>
           <p:cNvSpPr txBox="1"/>
           <p:nvPr/>
         </p:nvSpPr>
         <p:spPr>
           <a:xfrm>
             <a:off x="708248" y="1375099"/>
-            <a:ext cx="8066400" cy="1262301"/>
+            <a:ext cx="8066400" cy="1046399"/>
           </a:xfrm>
           <a:prstGeom prst="rect">
             <a:avLst/>
@@ -21244,7 +21246,7 @@
           </a:extLst>
         </p:spPr>
         <p:txBody>
-          <a:bodyPr lIns="91399" tIns="91399" rIns="91399" bIns="91399">
+          <a:bodyPr lIns="91398" tIns="91398" rIns="91398" bIns="91398">
             <a:spAutoFit/>
           </a:bodyPr>
           <a:lstStyle/>
@@ -21288,7 +21290,7 @@
       </p:sp>
       <p:sp>
         <p:nvSpPr>
-          <p:cNvPr id="178" name="Google Shape;152;g23f11c34dc7_0_65"/>
+          <p:cNvPr id="179" name="Google Shape;152;g23f11c34dc7_0_65"/>
           <p:cNvSpPr txBox="1"/>
           <p:nvPr>
             <p:ph type="title" idx="4294967295"/>
@@ -21304,9 +21306,7 @@
           </a:prstGeom>
         </p:spPr>
         <p:txBody>
-          <a:bodyPr>
-            <a:normAutofit fontScale="100000" lnSpcReduction="0"/>
-          </a:bodyPr>
+          <a:bodyPr/>
           <a:lstStyle>
             <a:lvl1pPr>
               <a:defRPr>
@@ -21326,13 +21326,13 @@
       </p:sp>
       <p:sp>
         <p:nvSpPr>
-          <p:cNvPr id="179" name="Google Shape;153;g23f11c34dc7_0_65"/>
+          <p:cNvPr id="180" name="Google Shape;153;g23f11c34dc7_0_65"/>
           <p:cNvSpPr txBox="1"/>
           <p:nvPr/>
         </p:nvSpPr>
         <p:spPr>
           <a:xfrm>
-            <a:off x="630648" y="2400899"/>
+            <a:off x="630648" y="2400898"/>
             <a:ext cx="7959002" cy="857401"/>
           </a:xfrm>
           <a:prstGeom prst="rect">
@@ -21374,14 +21374,14 @@
       </p:sp>
       <p:sp>
         <p:nvSpPr>
-          <p:cNvPr id="180" name="Google Shape;154;g23f11c34dc7_0_65"/>
+          <p:cNvPr id="181" name="Google Shape;154;g23f11c34dc7_0_65"/>
           <p:cNvSpPr txBox="1"/>
           <p:nvPr/>
         </p:nvSpPr>
         <p:spPr>
           <a:xfrm>
             <a:off x="804873" y="3332624"/>
-            <a:ext cx="8066400" cy="614601"/>
+            <a:ext cx="8066400" cy="614599"/>
           </a:xfrm>
           <a:prstGeom prst="rect">
             <a:avLst/>
@@ -21396,7 +21396,7 @@
           </a:extLst>
         </p:spPr>
         <p:txBody>
-          <a:bodyPr lIns="91399" tIns="91399" rIns="91399" bIns="91399">
+          <a:bodyPr lIns="91398" tIns="91398" rIns="91398" bIns="91398">
             <a:spAutoFit/>
           </a:bodyPr>
           <a:lstStyle>
@@ -21574,13 +21574,7 @@
           <a:effectLst/>
         </a:effectStyle>
         <a:effectStyle>
-          <a:effectLst>
-            <a:outerShdw sx="100000" sy="100000" kx="0" ky="0" algn="b" rotWithShape="0" blurRad="38100" dist="20000" dir="5400000">
-              <a:srgbClr val="000000">
-                <a:alpha val="38000"/>
-              </a:srgbClr>
-            </a:outerShdw>
-          </a:effectLst>
+          <a:effectLst/>
         </a:effectStyle>
       </a:effectStyleLst>
       <a:bgFillStyleLst>
@@ -21679,10 +21673,10 @@
             </a:solidFill>
             <a:effectLst/>
             <a:uFillTx/>
-            <a:latin typeface="+mj-lt"/>
-            <a:ea typeface="+mj-ea"/>
-            <a:cs typeface="+mj-cs"/>
-            <a:sym typeface="Arial"/>
+            <a:latin typeface="+mn-lt"/>
+            <a:ea typeface="+mn-ea"/>
+            <a:cs typeface="+mn-cs"/>
+            <a:sym typeface="Helvetica"/>
           </a:defRPr>
         </a:defPPr>
         <a:lvl1pPr marL="0" marR="0" indent="0" algn="l" defTabSz="914400" rtl="0" fontAlgn="auto" latinLnBrk="1" hangingPunct="0">
@@ -21937,13 +21931,7 @@
           <a:prstDash val="solid"/>
           <a:round/>
         </a:ln>
-        <a:effectLst>
-          <a:outerShdw sx="100000" sy="100000" kx="0" ky="0" algn="b" rotWithShape="0" blurRad="38100" dist="20000" dir="5400000">
-            <a:srgbClr val="000000">
-              <a:alpha val="38000"/>
-            </a:srgbClr>
-          </a:outerShdw>
-        </a:effectLst>
+        <a:effectLst/>
         <a:sp3d/>
       </a:spPr>
       <a:bodyPr rot="0" spcFirstLastPara="1" vertOverflow="overflow" horzOverflow="overflow" vert="horz" wrap="square" lIns="91439" tIns="45719" rIns="91439" bIns="45719" numCol="1" spcCol="38100" rtlCol="0" anchor="t" upright="0">
@@ -22256,10 +22244,10 @@
             </a:solidFill>
             <a:effectLst/>
             <a:uFillTx/>
-            <a:latin typeface="+mj-lt"/>
-            <a:ea typeface="+mj-ea"/>
-            <a:cs typeface="+mj-cs"/>
-            <a:sym typeface="Arial"/>
+            <a:latin typeface="+mn-lt"/>
+            <a:ea typeface="+mn-ea"/>
+            <a:cs typeface="+mn-cs"/>
+            <a:sym typeface="Helvetica"/>
           </a:defRPr>
         </a:defPPr>
         <a:lvl1pPr marL="0" marR="0" indent="0" algn="l" defTabSz="914400" rtl="0" fontAlgn="auto" latinLnBrk="1" hangingPunct="0">
@@ -22640,13 +22628,7 @@
           <a:effectLst/>
         </a:effectStyle>
         <a:effectStyle>
-          <a:effectLst>
-            <a:outerShdw sx="100000" sy="100000" kx="0" ky="0" algn="b" rotWithShape="0" blurRad="38100" dist="20000" dir="5400000">
-              <a:srgbClr val="000000">
-                <a:alpha val="38000"/>
-              </a:srgbClr>
-            </a:outerShdw>
-          </a:effectLst>
+          <a:effectLst/>
         </a:effectStyle>
       </a:effectStyleLst>
       <a:bgFillStyleLst>
@@ -22745,10 +22727,10 @@
             </a:solidFill>
             <a:effectLst/>
             <a:uFillTx/>
-            <a:latin typeface="+mj-lt"/>
-            <a:ea typeface="+mj-ea"/>
-            <a:cs typeface="+mj-cs"/>
-            <a:sym typeface="Arial"/>
+            <a:latin typeface="+mn-lt"/>
+            <a:ea typeface="+mn-ea"/>
+            <a:cs typeface="+mn-cs"/>
+            <a:sym typeface="Helvetica"/>
           </a:defRPr>
         </a:defPPr>
         <a:lvl1pPr marL="0" marR="0" indent="0" algn="l" defTabSz="914400" rtl="0" fontAlgn="auto" latinLnBrk="1" hangingPunct="0">
@@ -23003,13 +22985,7 @@
           <a:prstDash val="solid"/>
           <a:round/>
         </a:ln>
-        <a:effectLst>
-          <a:outerShdw sx="100000" sy="100000" kx="0" ky="0" algn="b" rotWithShape="0" blurRad="38100" dist="20000" dir="5400000">
-            <a:srgbClr val="000000">
-              <a:alpha val="38000"/>
-            </a:srgbClr>
-          </a:outerShdw>
-        </a:effectLst>
+        <a:effectLst/>
         <a:sp3d/>
       </a:spPr>
       <a:bodyPr rot="0" spcFirstLastPara="1" vertOverflow="overflow" horzOverflow="overflow" vert="horz" wrap="square" lIns="91439" tIns="45719" rIns="91439" bIns="45719" numCol="1" spcCol="38100" rtlCol="0" anchor="t" upright="0">
@@ -23322,10 +23298,10 @@
             </a:solidFill>
             <a:effectLst/>
             <a:uFillTx/>
-            <a:latin typeface="+mj-lt"/>
-            <a:ea typeface="+mj-ea"/>
-            <a:cs typeface="+mj-cs"/>
-            <a:sym typeface="Arial"/>
+            <a:latin typeface="+mn-lt"/>
+            <a:ea typeface="+mn-ea"/>
+            <a:cs typeface="+mn-cs"/>
+            <a:sym typeface="Helvetica"/>
           </a:defRPr>
         </a:defPPr>
         <a:lvl1pPr marL="0" marR="0" indent="0" algn="l" defTabSz="914400" rtl="0" fontAlgn="auto" latinLnBrk="1" hangingPunct="0">
